--- a/murach_js_3e/slides/Chapter 10 slides.pptx
+++ b/murach_js_3e/slides/Chapter 10 slides.pptx
@@ -363,7 +363,7 @@
               <a:pPr>
                 <a:defRPr/>
               </a:pPr>
-              <a:t>2/13/2017</a:t>
+              <a:t>7/30/2020</a:t>
             </a:fld>
             <a:endParaRPr lang="en-US"/>
           </a:p>
@@ -725,35 +725,35 @@
           <a:p>
             <a:pPr lvl="0"/>
             <a:r>
-              <a:rPr lang="en-US" noProof="0" smtClean="0"/>
+              <a:rPr lang="en-US" noProof="0"/>
               <a:t>Click to edit Master text styles</a:t>
             </a:r>
           </a:p>
           <a:p>
             <a:pPr lvl="1"/>
             <a:r>
-              <a:rPr lang="en-US" noProof="0" smtClean="0"/>
+              <a:rPr lang="en-US" noProof="0"/>
               <a:t>Second level</a:t>
             </a:r>
           </a:p>
           <a:p>
             <a:pPr lvl="2"/>
             <a:r>
-              <a:rPr lang="en-US" noProof="0" smtClean="0"/>
+              <a:rPr lang="en-US" noProof="0"/>
               <a:t>Third level</a:t>
             </a:r>
           </a:p>
           <a:p>
             <a:pPr lvl="3"/>
             <a:r>
-              <a:rPr lang="en-US" noProof="0" smtClean="0"/>
+              <a:rPr lang="en-US" noProof="0"/>
               <a:t>Fourth level</a:t>
             </a:r>
           </a:p>
           <a:p>
             <a:pPr lvl="4"/>
             <a:r>
-              <a:rPr lang="en-US" noProof="0" smtClean="0"/>
+              <a:rPr lang="en-US" noProof="0"/>
               <a:t>Fifth level</a:t>
             </a:r>
           </a:p>
@@ -1043,10 +1043,9 @@
           </a:lstStyle>
           <a:p>
             <a:r>
-              <a:rPr lang="en-US" dirty="0" smtClean="0"/>
+              <a:rPr lang="en-US" dirty="0"/>
               <a:t>Chapter number</a:t>
             </a:r>
-            <a:endParaRPr lang="en-US" dirty="0"/>
           </a:p>
         </p:txBody>
       </p:sp>
@@ -1073,7 +1072,7 @@
               <a:defRPr/>
             </a:pPr>
             <a:r>
-              <a:rPr lang="en-US" smtClean="0"/>
+              <a:rPr lang="en-US"/>
               <a:t>Murach's JavaScript and jQuery (3rd Ed.)</a:t>
             </a:r>
             <a:endParaRPr lang="en-US" dirty="0"/>
@@ -1099,10 +1098,9 @@
               <a:defRPr/>
             </a:pPr>
             <a:r>
-              <a:rPr lang="en-US" smtClean="0"/>
+              <a:rPr lang="en-US"/>
               <a:t>© 2017, Mike Murach &amp; Associates, Inc.</a:t>
             </a:r>
-            <a:endParaRPr lang="en-US"/>
           </a:p>
         </p:txBody>
       </p:sp>
@@ -1124,7 +1122,7 @@
             <a:pPr algn="l">
               <a:defRPr/>
             </a:pPr>
-            <a:endParaRPr lang="en-US" sz="1400" dirty="0" smtClean="0">
+            <a:endParaRPr lang="en-US" sz="1400" dirty="0">
               <a:latin typeface="Times New Roman"/>
             </a:endParaRPr>
           </a:p>
@@ -1133,7 +1131,7 @@
               <a:defRPr/>
             </a:pPr>
             <a:r>
-              <a:rPr lang="en-US" dirty="0" smtClean="0">
+              <a:rPr lang="en-US" dirty="0">
                 <a:solidFill>
                   <a:schemeClr val="bg1"/>
                 </a:solidFill>
@@ -1247,10 +1245,10 @@
           <a:p>
             <a:pPr lvl="0"/>
             <a:r>
-              <a:rPr lang="en-US" smtClean="0"/>
+              <a:rPr lang="en-US"/>
               <a:t>Click to edit Master title style</a:t>
             </a:r>
-            <a:endParaRPr lang="en-US" dirty="0" smtClean="0"/>
+            <a:endParaRPr lang="en-US" dirty="0"/>
           </a:p>
         </p:txBody>
       </p:sp>
@@ -1279,7 +1277,7 @@
               <a:defRPr/>
             </a:pPr>
             <a:r>
-              <a:rPr lang="en-US" smtClean="0"/>
+              <a:rPr lang="en-US"/>
               <a:t>Murach's JavaScript and jQuery (3rd Ed.)</a:t>
             </a:r>
             <a:endParaRPr lang="en-US" dirty="0"/>
@@ -1311,10 +1309,9 @@
               <a:defRPr/>
             </a:pPr>
             <a:r>
-              <a:rPr lang="en-US" smtClean="0"/>
+              <a:rPr lang="en-US"/>
               <a:t>© 2017, Mike Murach &amp; Associates, Inc.</a:t>
             </a:r>
-            <a:endParaRPr lang="en-US"/>
           </a:p>
         </p:txBody>
       </p:sp>
@@ -1344,14 +1341,14 @@
             <a:pPr>
               <a:defRPr/>
             </a:pPr>
-            <a:endParaRPr lang="en-US" dirty="0" smtClean="0"/>
+            <a:endParaRPr lang="en-US" dirty="0"/>
           </a:p>
           <a:p>
             <a:pPr algn="r">
               <a:defRPr/>
             </a:pPr>
             <a:r>
-              <a:rPr lang="en-US" sz="900" dirty="0" smtClean="0">
+              <a:rPr lang="en-US" sz="900" dirty="0">
                 <a:solidFill>
                   <a:schemeClr val="bg1"/>
                 </a:solidFill>
@@ -1441,21 +1438,71 @@
           </a:lstStyle>
           <a:p>
             <a:r>
-              <a:rPr lang="en-US" dirty="0" smtClean="0"/>
+              <a:rPr lang="en-US" dirty="0"/>
               <a:t>Chapter number</a:t>
             </a:r>
+          </a:p>
+        </p:txBody>
+      </p:sp>
+      <p:sp>
+        <p:nvSpPr>
+          <p:cNvPr id="3" name="Date Placeholder 2"/>
+          <p:cNvSpPr>
+            <a:spLocks noGrp="1"/>
+          </p:cNvSpPr>
+          <p:nvPr>
+            <p:ph type="dt" sz="half" idx="10"/>
+          </p:nvPr>
+        </p:nvSpPr>
+        <p:spPr/>
+        <p:txBody>
+          <a:bodyPr/>
+          <a:lstStyle/>
+          <a:p>
+            <a:pPr>
+              <a:defRPr/>
+            </a:pPr>
+            <a:r>
+              <a:rPr lang="en-US"/>
+              <a:t>Murach's JavaScript and jQuery (3rd Ed.)</a:t>
+            </a:r>
+          </a:p>
+        </p:txBody>
+      </p:sp>
+      <p:sp>
+        <p:nvSpPr>
+          <p:cNvPr id="4" name="Footer Placeholder 3"/>
+          <p:cNvSpPr>
+            <a:spLocks noGrp="1"/>
+          </p:cNvSpPr>
+          <p:nvPr>
+            <p:ph type="ftr" sz="quarter" idx="11"/>
+          </p:nvPr>
+        </p:nvSpPr>
+        <p:spPr/>
+        <p:txBody>
+          <a:bodyPr/>
+          <a:lstStyle/>
+          <a:p>
+            <a:pPr>
+              <a:defRPr/>
+            </a:pPr>
+            <a:r>
+              <a:rPr lang="en-US"/>
+              <a:t>© 2017, Mike Murach &amp; Associates, Inc.</a:t>
+            </a:r>
             <a:endParaRPr lang="en-US" dirty="0"/>
           </a:p>
         </p:txBody>
       </p:sp>
       <p:sp>
         <p:nvSpPr>
-          <p:cNvPr id="3" name="Date Placeholder 2"/>
-          <p:cNvSpPr>
-            <a:spLocks noGrp="1"/>
-          </p:cNvSpPr>
-          <p:nvPr>
-            <p:ph type="dt" sz="half" idx="10"/>
+          <p:cNvPr id="5" name="Slide Number Placeholder 4"/>
+          <p:cNvSpPr>
+            <a:spLocks noGrp="1"/>
+          </p:cNvSpPr>
+          <p:nvPr>
+            <p:ph type="sldNum" sz="quarter" idx="12"/>
           </p:nvPr>
         </p:nvSpPr>
         <p:spPr/>
@@ -1463,62 +1510,10 @@
           <a:bodyPr/>
           <a:lstStyle/>
           <a:p>
-            <a:pPr>
-              <a:defRPr/>
-            </a:pPr>
-            <a:r>
-              <a:rPr lang="en-US" smtClean="0"/>
-              <a:t>Murach's JavaScript and jQuery (3rd Ed.)</a:t>
-            </a:r>
-            <a:endParaRPr lang="en-US"/>
-          </a:p>
-        </p:txBody>
-      </p:sp>
-      <p:sp>
-        <p:nvSpPr>
-          <p:cNvPr id="4" name="Footer Placeholder 3"/>
-          <p:cNvSpPr>
-            <a:spLocks noGrp="1"/>
-          </p:cNvSpPr>
-          <p:nvPr>
-            <p:ph type="ftr" sz="quarter" idx="11"/>
-          </p:nvPr>
-        </p:nvSpPr>
-        <p:spPr/>
-        <p:txBody>
-          <a:bodyPr/>
-          <a:lstStyle/>
-          <a:p>
-            <a:pPr>
-              <a:defRPr/>
-            </a:pPr>
-            <a:r>
-              <a:rPr lang="en-US" smtClean="0"/>
-              <a:t>© 2017, Mike Murach &amp; Associates, Inc.</a:t>
-            </a:r>
-            <a:endParaRPr lang="en-US" dirty="0"/>
-          </a:p>
-        </p:txBody>
-      </p:sp>
-      <p:sp>
-        <p:nvSpPr>
-          <p:cNvPr id="5" name="Slide Number Placeholder 4"/>
-          <p:cNvSpPr>
-            <a:spLocks noGrp="1"/>
-          </p:cNvSpPr>
-          <p:nvPr>
-            <p:ph type="sldNum" sz="quarter" idx="12"/>
-          </p:nvPr>
-        </p:nvSpPr>
-        <p:spPr/>
-        <p:txBody>
-          <a:bodyPr/>
-          <a:lstStyle/>
-          <a:p>
             <a:pPr algn="l">
               <a:defRPr/>
             </a:pPr>
-            <a:endParaRPr lang="en-US" sz="1400" smtClean="0">
+            <a:endParaRPr lang="en-US" sz="1400">
               <a:latin typeface="Times New Roman"/>
             </a:endParaRPr>
           </a:p>
@@ -1527,7 +1522,7 @@
               <a:defRPr/>
             </a:pPr>
             <a:r>
-              <a:rPr lang="en-US" smtClean="0"/>
+              <a:rPr lang="en-US"/>
               <a:t>Slide </a:t>
             </a:r>
             <a:fld id="{BF5C1183-B085-4070-A402-C03A3F977D3D}" type="slidenum">
@@ -1629,7 +1624,7 @@
           <a:p>
             <a:pPr lvl="0"/>
             <a:r>
-              <a:rPr lang="en-US" dirty="0" smtClean="0"/>
+              <a:rPr lang="en-US" dirty="0"/>
               <a:t>Click to edit Master title style</a:t>
             </a:r>
           </a:p>
@@ -1660,10 +1655,9 @@
               <a:defRPr/>
             </a:pPr>
             <a:r>
-              <a:rPr lang="en-US" smtClean="0"/>
+              <a:rPr lang="en-US"/>
               <a:t>Murach's JavaScript and jQuery (3rd Ed.)</a:t>
             </a:r>
-            <a:endParaRPr lang="en-US"/>
           </a:p>
         </p:txBody>
       </p:sp>
@@ -1692,10 +1686,9 @@
               <a:defRPr/>
             </a:pPr>
             <a:r>
-              <a:rPr lang="en-US" smtClean="0"/>
+              <a:rPr lang="en-US"/>
               <a:t>© 2017, Mike Murach &amp; Associates, Inc.</a:t>
             </a:r>
-            <a:endParaRPr lang="en-US"/>
           </a:p>
         </p:txBody>
       </p:sp>
@@ -1840,7 +1833,7 @@
               <a:buNone/>
               <a:tabLst/>
             </a:pPr>
-            <a:endParaRPr kumimoji="0" lang="en-US" sz="2400" b="0" i="0" u="none" strike="noStrike" cap="none" normalizeH="0" baseline="0" smtClean="0">
+            <a:endParaRPr kumimoji="0" lang="en-US" sz="2400" b="0" i="0" u="none" strike="noStrike" cap="none" normalizeH="0" baseline="0">
               <a:ln>
                 <a:noFill/>
               </a:ln>
@@ -1905,7 +1898,7 @@
           <a:p>
             <a:pPr lvl="0"/>
             <a:r>
-              <a:rPr lang="en-US" smtClean="0"/>
+              <a:rPr lang="en-US"/>
               <a:t>Click to edit Master title style</a:t>
             </a:r>
           </a:p>
@@ -1963,35 +1956,35 @@
           <a:p>
             <a:pPr lvl="0"/>
             <a:r>
-              <a:rPr lang="en-US" smtClean="0"/>
+              <a:rPr lang="en-US"/>
               <a:t>Click to edit Master text styles</a:t>
             </a:r>
           </a:p>
           <a:p>
             <a:pPr lvl="1"/>
             <a:r>
-              <a:rPr lang="en-US" smtClean="0"/>
+              <a:rPr lang="en-US"/>
               <a:t>Second level</a:t>
             </a:r>
           </a:p>
           <a:p>
             <a:pPr lvl="2"/>
             <a:r>
-              <a:rPr lang="en-US" smtClean="0"/>
+              <a:rPr lang="en-US"/>
               <a:t>Third level</a:t>
             </a:r>
           </a:p>
           <a:p>
             <a:pPr lvl="3"/>
             <a:r>
-              <a:rPr lang="en-US" smtClean="0"/>
+              <a:rPr lang="en-US"/>
               <a:t>Fourth level</a:t>
             </a:r>
           </a:p>
           <a:p>
             <a:pPr lvl="4"/>
             <a:r>
-              <a:rPr lang="en-US" smtClean="0"/>
+              <a:rPr lang="en-US"/>
               <a:t>Fifth level</a:t>
             </a:r>
           </a:p>
@@ -2044,7 +2037,7 @@
               <a:defRPr/>
             </a:pPr>
             <a:r>
-              <a:rPr lang="en-US" smtClean="0"/>
+              <a:rPr lang="en-US"/>
               <a:t>Murach's JavaScript and jQuery (3rd Ed.)</a:t>
             </a:r>
             <a:endParaRPr lang="en-US" dirty="0"/>
@@ -2097,10 +2090,9 @@
               <a:defRPr/>
             </a:pPr>
             <a:r>
-              <a:rPr lang="en-US" smtClean="0"/>
+              <a:rPr lang="en-US"/>
               <a:t>© 2017, Mike Murach &amp; Associates, Inc.</a:t>
             </a:r>
-            <a:endParaRPr lang="en-US"/>
           </a:p>
         </p:txBody>
       </p:sp>
@@ -2146,7 +2138,7 @@
             <a:pPr algn="l">
               <a:defRPr/>
             </a:pPr>
-            <a:endParaRPr lang="en-US" sz="1400" dirty="0" smtClean="0">
+            <a:endParaRPr lang="en-US" sz="1400" dirty="0">
               <a:latin typeface="Times New Roman"/>
             </a:endParaRPr>
           </a:p>
@@ -2155,7 +2147,7 @@
               <a:defRPr/>
             </a:pPr>
             <a:r>
-              <a:rPr lang="en-US" dirty="0" smtClean="0">
+              <a:rPr lang="en-US" dirty="0">
                 <a:solidFill>
                   <a:schemeClr val="bg1"/>
                 </a:solidFill>
@@ -2629,7 +2621,7 @@
           <a:graphicData uri="http://schemas.openxmlformats.org/presentationml/2006/ole">
             <mc:AlternateContent xmlns:mc="http://schemas.openxmlformats.org/markup-compatibility/2006">
               <mc:Choice xmlns:v="urn:schemas-microsoft-com:vml" Requires="v">
-                <p:oleObj spid="_x0000_s1038" name="Document" r:id="rId3" imgW="7313400" imgH="2308371" progId="Word.Document.12">
+                <p:oleObj spid="_x0000_s1043" name="Document" r:id="rId3" imgW="7313400" imgH="2308371" progId="Word.Document.12">
                   <p:embed/>
                 </p:oleObj>
               </mc:Choice>
@@ -2680,21 +2672,46 @@
           <a:lstStyle/>
           <a:p>
             <a:r>
-              <a:rPr lang="en-US" dirty="0" smtClean="0"/>
+              <a:rPr lang="en-US" dirty="0"/>
               <a:t>Chapter 10</a:t>
             </a:r>
+          </a:p>
+        </p:txBody>
+      </p:sp>
+      <p:sp>
+        <p:nvSpPr>
+          <p:cNvPr id="7" name="Date Placeholder 6"/>
+          <p:cNvSpPr>
+            <a:spLocks noGrp="1"/>
+          </p:cNvSpPr>
+          <p:nvPr>
+            <p:ph type="dt" sz="half" idx="10"/>
+          </p:nvPr>
+        </p:nvSpPr>
+        <p:spPr/>
+        <p:txBody>
+          <a:bodyPr/>
+          <a:lstStyle/>
+          <a:p>
+            <a:pPr>
+              <a:defRPr/>
+            </a:pPr>
+            <a:r>
+              <a:rPr lang="en-US"/>
+              <a:t>Murach's JavaScript and jQuery (3rd Ed.)</a:t>
+            </a:r>
             <a:endParaRPr lang="en-US" dirty="0"/>
           </a:p>
         </p:txBody>
       </p:sp>
       <p:sp>
         <p:nvSpPr>
-          <p:cNvPr id="7" name="Date Placeholder 6"/>
-          <p:cNvSpPr>
-            <a:spLocks noGrp="1"/>
-          </p:cNvSpPr>
-          <p:nvPr>
-            <p:ph type="dt" sz="half" idx="10"/>
+          <p:cNvPr id="8" name="Footer Placeholder 7"/>
+          <p:cNvSpPr>
+            <a:spLocks noGrp="1"/>
+          </p:cNvSpPr>
+          <p:nvPr>
+            <p:ph type="ftr" sz="quarter" idx="11"/>
           </p:nvPr>
         </p:nvSpPr>
         <p:spPr/>
@@ -2706,21 +2723,20 @@
               <a:defRPr/>
             </a:pPr>
             <a:r>
-              <a:rPr lang="en-US" smtClean="0"/>
-              <a:t>Murach's JavaScript and jQuery (3rd Ed.)</a:t>
-            </a:r>
-            <a:endParaRPr lang="en-US" dirty="0"/>
-          </a:p>
-        </p:txBody>
-      </p:sp>
-      <p:sp>
-        <p:nvSpPr>
-          <p:cNvPr id="8" name="Footer Placeholder 7"/>
-          <p:cNvSpPr>
-            <a:spLocks noGrp="1"/>
-          </p:cNvSpPr>
-          <p:nvPr>
-            <p:ph type="ftr" sz="quarter" idx="11"/>
+              <a:rPr lang="en-US"/>
+              <a:t>© 2017, Mike Murach &amp; Associates, Inc.</a:t>
+            </a:r>
+          </a:p>
+        </p:txBody>
+      </p:sp>
+      <p:sp>
+        <p:nvSpPr>
+          <p:cNvPr id="9" name="Slide Number Placeholder 8"/>
+          <p:cNvSpPr>
+            <a:spLocks noGrp="1"/>
+          </p:cNvSpPr>
+          <p:nvPr>
+            <p:ph type="sldNum" sz="quarter" idx="12"/>
           </p:nvPr>
         </p:nvSpPr>
         <p:spPr/>
@@ -2728,36 +2744,10 @@
           <a:bodyPr/>
           <a:lstStyle/>
           <a:p>
-            <a:pPr>
-              <a:defRPr/>
-            </a:pPr>
-            <a:r>
-              <a:rPr lang="en-US" smtClean="0"/>
-              <a:t>© 2017, Mike Murach &amp; Associates, Inc.</a:t>
-            </a:r>
-            <a:endParaRPr lang="en-US"/>
-          </a:p>
-        </p:txBody>
-      </p:sp>
-      <p:sp>
-        <p:nvSpPr>
-          <p:cNvPr id="9" name="Slide Number Placeholder 8"/>
-          <p:cNvSpPr>
-            <a:spLocks noGrp="1"/>
-          </p:cNvSpPr>
-          <p:nvPr>
-            <p:ph type="sldNum" sz="quarter" idx="12"/>
-          </p:nvPr>
-        </p:nvSpPr>
-        <p:spPr/>
-        <p:txBody>
-          <a:bodyPr/>
-          <a:lstStyle/>
-          <a:p>
             <a:pPr algn="l">
               <a:defRPr/>
             </a:pPr>
-            <a:endParaRPr lang="en-US" sz="1400" smtClean="0">
+            <a:endParaRPr lang="en-US" sz="1400">
               <a:latin typeface="Times New Roman"/>
             </a:endParaRPr>
           </a:p>
@@ -2766,7 +2756,7 @@
               <a:defRPr/>
             </a:pPr>
             <a:r>
-              <a:rPr lang="en-US" smtClean="0">
+              <a:rPr lang="en-US">
                 <a:solidFill>
                   <a:schemeClr val="bg1"/>
                 </a:solidFill>
@@ -2802,13 +2792,6 @@
   <p:clrMapOvr>
     <a:masterClrMapping/>
   </p:clrMapOvr>
-  <p:timing>
-    <p:tnLst>
-      <p:par>
-        <p:cTn id="1" dur="indefinite" restart="never" nodeType="tmRoot"/>
-      </p:par>
-    </p:tnLst>
-  </p:timing>
 </p:sld>
 </file>
 
@@ -2851,7 +2834,7 @@
           <a:graphicData uri="http://schemas.openxmlformats.org/presentationml/2006/ole">
             <mc:AlternateContent xmlns:mc="http://schemas.openxmlformats.org/markup-compatibility/2006">
               <mc:Choice xmlns:v="urn:schemas-microsoft-com:vml" Requires="v">
-                <p:oleObj spid="_x0000_s10261" name="Document" r:id="rId3" imgW="7301323" imgH="3057320" progId="Word.Document.12">
+                <p:oleObj spid="_x0000_s10266" name="Document" r:id="rId3" imgW="7301323" imgH="3057320" progId="Word.Document.12">
                   <p:embed/>
                 </p:oleObj>
               </mc:Choice>
@@ -2939,7 +2922,7 @@
               <a:defRPr/>
             </a:pPr>
             <a:r>
-              <a:rPr lang="en-US" smtClean="0"/>
+              <a:rPr lang="en-US"/>
               <a:t>Murach's JavaScript and jQuery (3rd Ed.)</a:t>
             </a:r>
             <a:endParaRPr lang="en-US" dirty="0"/>
@@ -2965,39 +2948,38 @@
               <a:defRPr/>
             </a:pPr>
             <a:r>
-              <a:rPr lang="en-US" smtClean="0"/>
+              <a:rPr lang="en-US"/>
               <a:t>© 2017, Mike Murach &amp; Associates, Inc.</a:t>
             </a:r>
+          </a:p>
+        </p:txBody>
+      </p:sp>
+      <p:sp>
+        <p:nvSpPr>
+          <p:cNvPr id="10" name="Slide Number Placeholder 9"/>
+          <p:cNvSpPr>
+            <a:spLocks noGrp="1"/>
+          </p:cNvSpPr>
+          <p:nvPr>
+            <p:ph type="sldNum" sz="quarter" idx="12"/>
+          </p:nvPr>
+        </p:nvSpPr>
+        <p:spPr/>
+        <p:txBody>
+          <a:bodyPr/>
+          <a:lstStyle/>
+          <a:p>
+            <a:pPr>
+              <a:defRPr/>
+            </a:pPr>
             <a:endParaRPr lang="en-US"/>
           </a:p>
-        </p:txBody>
-      </p:sp>
-      <p:sp>
-        <p:nvSpPr>
-          <p:cNvPr id="10" name="Slide Number Placeholder 9"/>
-          <p:cNvSpPr>
-            <a:spLocks noGrp="1"/>
-          </p:cNvSpPr>
-          <p:nvPr>
-            <p:ph type="sldNum" sz="quarter" idx="12"/>
-          </p:nvPr>
-        </p:nvSpPr>
-        <p:spPr/>
-        <p:txBody>
-          <a:bodyPr/>
-          <a:lstStyle/>
-          <a:p>
-            <a:pPr>
-              <a:defRPr/>
-            </a:pPr>
-            <a:endParaRPr lang="en-US" smtClean="0"/>
-          </a:p>
           <a:p>
             <a:pPr algn="r">
               <a:defRPr/>
             </a:pPr>
             <a:r>
-              <a:rPr lang="en-US" sz="900" smtClean="0">
+              <a:rPr lang="en-US" sz="900">
                 <a:solidFill>
                   <a:schemeClr val="bg1"/>
                 </a:solidFill>
@@ -3036,13 +3018,6 @@
   <p:clrMapOvr>
     <a:masterClrMapping/>
   </p:clrMapOvr>
-  <p:timing>
-    <p:tnLst>
-      <p:par>
-        <p:cTn id="1" dur="indefinite" restart="never" nodeType="tmRoot"/>
-      </p:par>
-    </p:tnLst>
-  </p:timing>
 </p:sld>
 </file>
 
@@ -3109,7 +3084,7 @@
               <a:defRPr/>
             </a:pPr>
             <a:r>
-              <a:rPr lang="en-US" smtClean="0"/>
+              <a:rPr lang="en-US"/>
               <a:t>Murach's JavaScript and jQuery (3rd Ed.)</a:t>
             </a:r>
             <a:endParaRPr lang="en-US" dirty="0"/>
@@ -3135,39 +3110,38 @@
               <a:defRPr/>
             </a:pPr>
             <a:r>
-              <a:rPr lang="en-US" smtClean="0"/>
+              <a:rPr lang="en-US"/>
               <a:t>© 2017, Mike Murach &amp; Associates, Inc.</a:t>
             </a:r>
+          </a:p>
+        </p:txBody>
+      </p:sp>
+      <p:sp>
+        <p:nvSpPr>
+          <p:cNvPr id="10" name="Slide Number Placeholder 9"/>
+          <p:cNvSpPr>
+            <a:spLocks noGrp="1"/>
+          </p:cNvSpPr>
+          <p:nvPr>
+            <p:ph type="sldNum" sz="quarter" idx="12"/>
+          </p:nvPr>
+        </p:nvSpPr>
+        <p:spPr/>
+        <p:txBody>
+          <a:bodyPr/>
+          <a:lstStyle/>
+          <a:p>
+            <a:pPr>
+              <a:defRPr/>
+            </a:pPr>
             <a:endParaRPr lang="en-US"/>
           </a:p>
-        </p:txBody>
-      </p:sp>
-      <p:sp>
-        <p:nvSpPr>
-          <p:cNvPr id="10" name="Slide Number Placeholder 9"/>
-          <p:cNvSpPr>
-            <a:spLocks noGrp="1"/>
-          </p:cNvSpPr>
-          <p:nvPr>
-            <p:ph type="sldNum" sz="quarter" idx="12"/>
-          </p:nvPr>
-        </p:nvSpPr>
-        <p:spPr/>
-        <p:txBody>
-          <a:bodyPr/>
-          <a:lstStyle/>
-          <a:p>
-            <a:pPr>
-              <a:defRPr/>
-            </a:pPr>
-            <a:endParaRPr lang="en-US" smtClean="0"/>
-          </a:p>
           <a:p>
             <a:pPr algn="r">
               <a:defRPr/>
             </a:pPr>
             <a:r>
-              <a:rPr lang="en-US" sz="900" smtClean="0">
+              <a:rPr lang="en-US" sz="900">
                 <a:solidFill>
                   <a:schemeClr val="bg1"/>
                 </a:solidFill>
@@ -3241,13 +3215,6 @@
   <p:clrMapOvr>
     <a:masterClrMapping/>
   </p:clrMapOvr>
-  <p:timing>
-    <p:tnLst>
-      <p:par>
-        <p:cTn id="1" dur="indefinite" restart="never" nodeType="tmRoot"/>
-      </p:par>
-    </p:tnLst>
-  </p:timing>
 </p:sld>
 </file>
 
@@ -3290,7 +3257,7 @@
           <a:graphicData uri="http://schemas.openxmlformats.org/presentationml/2006/ole">
             <mc:AlternateContent xmlns:mc="http://schemas.openxmlformats.org/markup-compatibility/2006">
               <mc:Choice xmlns:v="urn:schemas-microsoft-com:vml" Requires="v">
-                <p:oleObj spid="_x0000_s12309" name="Document" r:id="rId3" imgW="7301323" imgH="1532081" progId="Word.Document.12">
+                <p:oleObj spid="_x0000_s12314" name="Document" r:id="rId3" imgW="7301323" imgH="1532081" progId="Word.Document.12">
                   <p:embed/>
                 </p:oleObj>
               </mc:Choice>
@@ -3371,7 +3338,7 @@
               <a:defRPr/>
             </a:pPr>
             <a:r>
-              <a:rPr lang="en-US" smtClean="0"/>
+              <a:rPr lang="en-US"/>
               <a:t>Murach's JavaScript and jQuery (3rd Ed.)</a:t>
             </a:r>
             <a:endParaRPr lang="en-US" dirty="0"/>
@@ -3397,39 +3364,38 @@
               <a:defRPr/>
             </a:pPr>
             <a:r>
-              <a:rPr lang="en-US" smtClean="0"/>
+              <a:rPr lang="en-US"/>
               <a:t>© 2017, Mike Murach &amp; Associates, Inc.</a:t>
             </a:r>
+          </a:p>
+        </p:txBody>
+      </p:sp>
+      <p:sp>
+        <p:nvSpPr>
+          <p:cNvPr id="10" name="Slide Number Placeholder 9"/>
+          <p:cNvSpPr>
+            <a:spLocks noGrp="1"/>
+          </p:cNvSpPr>
+          <p:nvPr>
+            <p:ph type="sldNum" sz="quarter" idx="12"/>
+          </p:nvPr>
+        </p:nvSpPr>
+        <p:spPr/>
+        <p:txBody>
+          <a:bodyPr/>
+          <a:lstStyle/>
+          <a:p>
+            <a:pPr>
+              <a:defRPr/>
+            </a:pPr>
             <a:endParaRPr lang="en-US"/>
           </a:p>
-        </p:txBody>
-      </p:sp>
-      <p:sp>
-        <p:nvSpPr>
-          <p:cNvPr id="10" name="Slide Number Placeholder 9"/>
-          <p:cNvSpPr>
-            <a:spLocks noGrp="1"/>
-          </p:cNvSpPr>
-          <p:nvPr>
-            <p:ph type="sldNum" sz="quarter" idx="12"/>
-          </p:nvPr>
-        </p:nvSpPr>
-        <p:spPr/>
-        <p:txBody>
-          <a:bodyPr/>
-          <a:lstStyle/>
-          <a:p>
-            <a:pPr>
-              <a:defRPr/>
-            </a:pPr>
-            <a:endParaRPr lang="en-US" smtClean="0"/>
-          </a:p>
           <a:p>
             <a:pPr algn="r">
               <a:defRPr/>
             </a:pPr>
             <a:r>
-              <a:rPr lang="en-US" sz="900" smtClean="0">
+              <a:rPr lang="en-US" sz="900">
                 <a:solidFill>
                   <a:schemeClr val="bg1"/>
                 </a:solidFill>
@@ -3468,13 +3434,6 @@
   <p:clrMapOvr>
     <a:masterClrMapping/>
   </p:clrMapOvr>
-  <p:timing>
-    <p:tnLst>
-      <p:par>
-        <p:cTn id="1" dur="indefinite" restart="never" nodeType="tmRoot"/>
-      </p:par>
-    </p:tnLst>
-  </p:timing>
 </p:sld>
 </file>
 
@@ -3517,7 +3476,7 @@
           <a:graphicData uri="http://schemas.openxmlformats.org/presentationml/2006/ole">
             <mc:AlternateContent xmlns:mc="http://schemas.openxmlformats.org/markup-compatibility/2006">
               <mc:Choice xmlns:v="urn:schemas-microsoft-com:vml" Requires="v">
-                <p:oleObj spid="_x0000_s7190" name="Document" r:id="rId3" imgW="7301323" imgH="919248" progId="Word.Document.12">
+                <p:oleObj spid="_x0000_s7195" name="Document" r:id="rId3" imgW="7301323" imgH="919248" progId="Word.Document.12">
                   <p:embed/>
                 </p:oleObj>
               </mc:Choice>
@@ -3605,7 +3564,7 @@
               <a:defRPr/>
             </a:pPr>
             <a:r>
-              <a:rPr lang="en-US" smtClean="0"/>
+              <a:rPr lang="en-US"/>
               <a:t>Murach's JavaScript and jQuery (3rd Ed.)</a:t>
             </a:r>
             <a:endParaRPr lang="en-US" dirty="0"/>
@@ -3631,39 +3590,38 @@
               <a:defRPr/>
             </a:pPr>
             <a:r>
-              <a:rPr lang="en-US" smtClean="0"/>
+              <a:rPr lang="en-US"/>
               <a:t>© 2017, Mike Murach &amp; Associates, Inc.</a:t>
             </a:r>
+          </a:p>
+        </p:txBody>
+      </p:sp>
+      <p:sp>
+        <p:nvSpPr>
+          <p:cNvPr id="10" name="Slide Number Placeholder 9"/>
+          <p:cNvSpPr>
+            <a:spLocks noGrp="1"/>
+          </p:cNvSpPr>
+          <p:nvPr>
+            <p:ph type="sldNum" sz="quarter" idx="12"/>
+          </p:nvPr>
+        </p:nvSpPr>
+        <p:spPr/>
+        <p:txBody>
+          <a:bodyPr/>
+          <a:lstStyle/>
+          <a:p>
+            <a:pPr>
+              <a:defRPr/>
+            </a:pPr>
             <a:endParaRPr lang="en-US"/>
           </a:p>
-        </p:txBody>
-      </p:sp>
-      <p:sp>
-        <p:nvSpPr>
-          <p:cNvPr id="10" name="Slide Number Placeholder 9"/>
-          <p:cNvSpPr>
-            <a:spLocks noGrp="1"/>
-          </p:cNvSpPr>
-          <p:nvPr>
-            <p:ph type="sldNum" sz="quarter" idx="12"/>
-          </p:nvPr>
-        </p:nvSpPr>
-        <p:spPr/>
-        <p:txBody>
-          <a:bodyPr/>
-          <a:lstStyle/>
-          <a:p>
-            <a:pPr>
-              <a:defRPr/>
-            </a:pPr>
-            <a:endParaRPr lang="en-US" smtClean="0"/>
-          </a:p>
           <a:p>
             <a:pPr algn="r">
               <a:defRPr/>
             </a:pPr>
             <a:r>
-              <a:rPr lang="en-US" sz="900" smtClean="0">
+              <a:rPr lang="en-US" sz="900">
                 <a:solidFill>
                   <a:schemeClr val="bg1"/>
                 </a:solidFill>
@@ -3702,13 +3660,6 @@
   <p:clrMapOvr>
     <a:masterClrMapping/>
   </p:clrMapOvr>
-  <p:timing>
-    <p:tnLst>
-      <p:par>
-        <p:cTn id="1" dur="indefinite" restart="never" nodeType="tmRoot"/>
-      </p:par>
-    </p:tnLst>
-  </p:timing>
 </p:sld>
 </file>
 
@@ -3751,7 +3702,7 @@
           <a:graphicData uri="http://schemas.openxmlformats.org/presentationml/2006/ole">
             <mc:AlternateContent xmlns:mc="http://schemas.openxmlformats.org/markup-compatibility/2006">
               <mc:Choice xmlns:v="urn:schemas-microsoft-com:vml" Requires="v">
-                <p:oleObj spid="_x0000_s13333" name="Document" r:id="rId3" imgW="7313400" imgH="3256041" progId="Word.Document.12">
+                <p:oleObj spid="_x0000_s13338" name="Document" r:id="rId3" imgW="7313400" imgH="3256041" progId="Word.Document.12">
                   <p:embed/>
                 </p:oleObj>
               </mc:Choice>
@@ -3807,21 +3758,46 @@
           <a:lstStyle/>
           <a:p>
             <a:r>
-              <a:rPr lang="en-US" dirty="0" smtClean="0"/>
+              <a:rPr lang="en-US" dirty="0"/>
               <a:t>The HTML for a form that uses HTML5 attributes for data validation</a:t>
             </a:r>
+          </a:p>
+        </p:txBody>
+      </p:sp>
+      <p:sp>
+        <p:nvSpPr>
+          <p:cNvPr id="8" name="Date Placeholder 7"/>
+          <p:cNvSpPr>
+            <a:spLocks noGrp="1"/>
+          </p:cNvSpPr>
+          <p:nvPr>
+            <p:ph type="dt" sz="half" idx="10"/>
+          </p:nvPr>
+        </p:nvSpPr>
+        <p:spPr/>
+        <p:txBody>
+          <a:bodyPr/>
+          <a:lstStyle/>
+          <a:p>
+            <a:pPr>
+              <a:defRPr/>
+            </a:pPr>
+            <a:r>
+              <a:rPr lang="en-US"/>
+              <a:t>Murach's JavaScript and jQuery (3rd Ed.)</a:t>
+            </a:r>
             <a:endParaRPr lang="en-US" dirty="0"/>
           </a:p>
         </p:txBody>
       </p:sp>
       <p:sp>
         <p:nvSpPr>
-          <p:cNvPr id="8" name="Date Placeholder 7"/>
-          <p:cNvSpPr>
-            <a:spLocks noGrp="1"/>
-          </p:cNvSpPr>
-          <p:nvPr>
-            <p:ph type="dt" sz="half" idx="10"/>
+          <p:cNvPr id="9" name="Footer Placeholder 8"/>
+          <p:cNvSpPr>
+            <a:spLocks noGrp="1"/>
+          </p:cNvSpPr>
+          <p:nvPr>
+            <p:ph type="ftr" sz="quarter" idx="11"/>
           </p:nvPr>
         </p:nvSpPr>
         <p:spPr/>
@@ -3833,21 +3809,20 @@
               <a:defRPr/>
             </a:pPr>
             <a:r>
-              <a:rPr lang="en-US" smtClean="0"/>
-              <a:t>Murach's JavaScript and jQuery (3rd Ed.)</a:t>
-            </a:r>
-            <a:endParaRPr lang="en-US" dirty="0"/>
-          </a:p>
-        </p:txBody>
-      </p:sp>
-      <p:sp>
-        <p:nvSpPr>
-          <p:cNvPr id="9" name="Footer Placeholder 8"/>
-          <p:cNvSpPr>
-            <a:spLocks noGrp="1"/>
-          </p:cNvSpPr>
-          <p:nvPr>
-            <p:ph type="ftr" sz="quarter" idx="11"/>
+              <a:rPr lang="en-US"/>
+              <a:t>© 2017, Mike Murach &amp; Associates, Inc.</a:t>
+            </a:r>
+          </a:p>
+        </p:txBody>
+      </p:sp>
+      <p:sp>
+        <p:nvSpPr>
+          <p:cNvPr id="10" name="Slide Number Placeholder 9"/>
+          <p:cNvSpPr>
+            <a:spLocks noGrp="1"/>
+          </p:cNvSpPr>
+          <p:nvPr>
+            <p:ph type="sldNum" sz="quarter" idx="12"/>
           </p:nvPr>
         </p:nvSpPr>
         <p:spPr/>
@@ -3858,40 +3833,14 @@
             <a:pPr>
               <a:defRPr/>
             </a:pPr>
-            <a:r>
-              <a:rPr lang="en-US" smtClean="0"/>
-              <a:t>© 2017, Mike Murach &amp; Associates, Inc.</a:t>
-            </a:r>
             <a:endParaRPr lang="en-US"/>
           </a:p>
-        </p:txBody>
-      </p:sp>
-      <p:sp>
-        <p:nvSpPr>
-          <p:cNvPr id="10" name="Slide Number Placeholder 9"/>
-          <p:cNvSpPr>
-            <a:spLocks noGrp="1"/>
-          </p:cNvSpPr>
-          <p:nvPr>
-            <p:ph type="sldNum" sz="quarter" idx="12"/>
-          </p:nvPr>
-        </p:nvSpPr>
-        <p:spPr/>
-        <p:txBody>
-          <a:bodyPr/>
-          <a:lstStyle/>
-          <a:p>
-            <a:pPr>
-              <a:defRPr/>
-            </a:pPr>
-            <a:endParaRPr lang="en-US" smtClean="0"/>
-          </a:p>
           <a:p>
             <a:pPr algn="r">
               <a:defRPr/>
             </a:pPr>
             <a:r>
-              <a:rPr lang="en-US" sz="900" smtClean="0">
+              <a:rPr lang="en-US" sz="900">
                 <a:solidFill>
                   <a:schemeClr val="bg1"/>
                 </a:solidFill>
@@ -3930,13 +3879,6 @@
   <p:clrMapOvr>
     <a:masterClrMapping/>
   </p:clrMapOvr>
-  <p:timing>
-    <p:tnLst>
-      <p:par>
-        <p:cTn id="1" dur="indefinite" restart="never" nodeType="tmRoot"/>
-      </p:par>
-    </p:tnLst>
-  </p:timing>
 </p:sld>
 </file>
 
@@ -4038,7 +3980,7 @@
               <a:defRPr/>
             </a:pPr>
             <a:r>
-              <a:rPr lang="en-US" smtClean="0"/>
+              <a:rPr lang="en-US"/>
               <a:t>Murach's JavaScript and jQuery (3rd Ed.)</a:t>
             </a:r>
             <a:endParaRPr lang="en-US" dirty="0"/>
@@ -4064,39 +4006,38 @@
               <a:defRPr/>
             </a:pPr>
             <a:r>
-              <a:rPr lang="en-US" smtClean="0"/>
+              <a:rPr lang="en-US"/>
               <a:t>© 2017, Mike Murach &amp; Associates, Inc.</a:t>
             </a:r>
+          </a:p>
+        </p:txBody>
+      </p:sp>
+      <p:sp>
+        <p:nvSpPr>
+          <p:cNvPr id="10" name="Slide Number Placeholder 9"/>
+          <p:cNvSpPr>
+            <a:spLocks noGrp="1"/>
+          </p:cNvSpPr>
+          <p:nvPr>
+            <p:ph type="sldNum" sz="quarter" idx="12"/>
+          </p:nvPr>
+        </p:nvSpPr>
+        <p:spPr/>
+        <p:txBody>
+          <a:bodyPr/>
+          <a:lstStyle/>
+          <a:p>
+            <a:pPr>
+              <a:defRPr/>
+            </a:pPr>
             <a:endParaRPr lang="en-US"/>
           </a:p>
-        </p:txBody>
-      </p:sp>
-      <p:sp>
-        <p:nvSpPr>
-          <p:cNvPr id="10" name="Slide Number Placeholder 9"/>
-          <p:cNvSpPr>
-            <a:spLocks noGrp="1"/>
-          </p:cNvSpPr>
-          <p:nvPr>
-            <p:ph type="sldNum" sz="quarter" idx="12"/>
-          </p:nvPr>
-        </p:nvSpPr>
-        <p:spPr/>
-        <p:txBody>
-          <a:bodyPr/>
-          <a:lstStyle/>
-          <a:p>
-            <a:pPr>
-              <a:defRPr/>
-            </a:pPr>
-            <a:endParaRPr lang="en-US" smtClean="0"/>
-          </a:p>
           <a:p>
             <a:pPr algn="r">
               <a:defRPr/>
             </a:pPr>
             <a:r>
-              <a:rPr lang="en-US" sz="900" smtClean="0">
+              <a:rPr lang="en-US" sz="900">
                 <a:solidFill>
                   <a:schemeClr val="bg1"/>
                 </a:solidFill>
@@ -4135,13 +4076,6 @@
   <p:clrMapOvr>
     <a:masterClrMapping/>
   </p:clrMapOvr>
-  <p:timing>
-    <p:tnLst>
-      <p:par>
-        <p:cTn id="1" dur="indefinite" restart="never" nodeType="tmRoot"/>
-      </p:par>
-    </p:tnLst>
-  </p:timing>
 </p:sld>
 </file>
 
@@ -4184,7 +4118,7 @@
           <a:graphicData uri="http://schemas.openxmlformats.org/presentationml/2006/ole">
             <mc:AlternateContent xmlns:mc="http://schemas.openxmlformats.org/markup-compatibility/2006">
               <mc:Choice xmlns:v="urn:schemas-microsoft-com:vml" Requires="v">
-                <p:oleObj spid="_x0000_s15381" name="Document" r:id="rId3" imgW="7301323" imgH="1357449" progId="Word.Document.12">
+                <p:oleObj spid="_x0000_s15386" name="Document" r:id="rId3" imgW="7301323" imgH="1357449" progId="Word.Document.12">
                   <p:embed/>
                 </p:oleObj>
               </mc:Choice>
@@ -4272,7 +4206,7 @@
               <a:defRPr/>
             </a:pPr>
             <a:r>
-              <a:rPr lang="en-US" smtClean="0"/>
+              <a:rPr lang="en-US"/>
               <a:t>Murach's JavaScript and jQuery (3rd Ed.)</a:t>
             </a:r>
             <a:endParaRPr lang="en-US" dirty="0"/>
@@ -4298,39 +4232,38 @@
               <a:defRPr/>
             </a:pPr>
             <a:r>
-              <a:rPr lang="en-US" smtClean="0"/>
+              <a:rPr lang="en-US"/>
               <a:t>© 2017, Mike Murach &amp; Associates, Inc.</a:t>
             </a:r>
+          </a:p>
+        </p:txBody>
+      </p:sp>
+      <p:sp>
+        <p:nvSpPr>
+          <p:cNvPr id="10" name="Slide Number Placeholder 9"/>
+          <p:cNvSpPr>
+            <a:spLocks noGrp="1"/>
+          </p:cNvSpPr>
+          <p:nvPr>
+            <p:ph type="sldNum" sz="quarter" idx="12"/>
+          </p:nvPr>
+        </p:nvSpPr>
+        <p:spPr/>
+        <p:txBody>
+          <a:bodyPr/>
+          <a:lstStyle/>
+          <a:p>
+            <a:pPr>
+              <a:defRPr/>
+            </a:pPr>
             <a:endParaRPr lang="en-US"/>
           </a:p>
-        </p:txBody>
-      </p:sp>
-      <p:sp>
-        <p:nvSpPr>
-          <p:cNvPr id="10" name="Slide Number Placeholder 9"/>
-          <p:cNvSpPr>
-            <a:spLocks noGrp="1"/>
-          </p:cNvSpPr>
-          <p:nvPr>
-            <p:ph type="sldNum" sz="quarter" idx="12"/>
-          </p:nvPr>
-        </p:nvSpPr>
-        <p:spPr/>
-        <p:txBody>
-          <a:bodyPr/>
-          <a:lstStyle/>
-          <a:p>
-            <a:pPr>
-              <a:defRPr/>
-            </a:pPr>
-            <a:endParaRPr lang="en-US" smtClean="0"/>
-          </a:p>
           <a:p>
             <a:pPr algn="r">
               <a:defRPr/>
             </a:pPr>
             <a:r>
-              <a:rPr lang="en-US" sz="900" smtClean="0">
+              <a:rPr lang="en-US" sz="900">
                 <a:solidFill>
                   <a:schemeClr val="bg1"/>
                 </a:solidFill>
@@ -4369,13 +4302,6 @@
   <p:clrMapOvr>
     <a:masterClrMapping/>
   </p:clrMapOvr>
-  <p:timing>
-    <p:tnLst>
-      <p:par>
-        <p:cTn id="1" dur="indefinite" restart="never" nodeType="tmRoot"/>
-      </p:par>
-    </p:tnLst>
-  </p:timing>
 </p:sld>
 </file>
 
@@ -4418,7 +4344,7 @@
           <a:graphicData uri="http://schemas.openxmlformats.org/presentationml/2006/ole">
             <mc:AlternateContent xmlns:mc="http://schemas.openxmlformats.org/markup-compatibility/2006">
               <mc:Choice xmlns:v="urn:schemas-microsoft-com:vml" Requires="v">
-                <p:oleObj spid="_x0000_s16405" name="Document" r:id="rId3" imgW="7301323" imgH="4290186" progId="Word.Document.12">
+                <p:oleObj spid="_x0000_s16410" name="Document" r:id="rId3" imgW="7301323" imgH="4290186" progId="Word.Document.12">
                   <p:embed/>
                 </p:oleObj>
               </mc:Choice>
@@ -4499,7 +4425,7 @@
               <a:defRPr/>
             </a:pPr>
             <a:r>
-              <a:rPr lang="en-US" smtClean="0"/>
+              <a:rPr lang="en-US"/>
               <a:t>Murach's JavaScript and jQuery (3rd Ed.)</a:t>
             </a:r>
             <a:endParaRPr lang="en-US" dirty="0"/>
@@ -4525,39 +4451,38 @@
               <a:defRPr/>
             </a:pPr>
             <a:r>
-              <a:rPr lang="en-US" smtClean="0"/>
+              <a:rPr lang="en-US"/>
               <a:t>© 2017, Mike Murach &amp; Associates, Inc.</a:t>
             </a:r>
+          </a:p>
+        </p:txBody>
+      </p:sp>
+      <p:sp>
+        <p:nvSpPr>
+          <p:cNvPr id="10" name="Slide Number Placeholder 9"/>
+          <p:cNvSpPr>
+            <a:spLocks noGrp="1"/>
+          </p:cNvSpPr>
+          <p:nvPr>
+            <p:ph type="sldNum" sz="quarter" idx="12"/>
+          </p:nvPr>
+        </p:nvSpPr>
+        <p:spPr/>
+        <p:txBody>
+          <a:bodyPr/>
+          <a:lstStyle/>
+          <a:p>
+            <a:pPr>
+              <a:defRPr/>
+            </a:pPr>
             <a:endParaRPr lang="en-US"/>
           </a:p>
-        </p:txBody>
-      </p:sp>
-      <p:sp>
-        <p:nvSpPr>
-          <p:cNvPr id="10" name="Slide Number Placeholder 9"/>
-          <p:cNvSpPr>
-            <a:spLocks noGrp="1"/>
-          </p:cNvSpPr>
-          <p:nvPr>
-            <p:ph type="sldNum" sz="quarter" idx="12"/>
-          </p:nvPr>
-        </p:nvSpPr>
-        <p:spPr/>
-        <p:txBody>
-          <a:bodyPr/>
-          <a:lstStyle/>
-          <a:p>
-            <a:pPr>
-              <a:defRPr/>
-            </a:pPr>
-            <a:endParaRPr lang="en-US" smtClean="0"/>
-          </a:p>
           <a:p>
             <a:pPr algn="r">
               <a:defRPr/>
             </a:pPr>
             <a:r>
-              <a:rPr lang="en-US" sz="900" smtClean="0">
+              <a:rPr lang="en-US" sz="900">
                 <a:solidFill>
                   <a:schemeClr val="bg1"/>
                 </a:solidFill>
@@ -4596,13 +4521,6 @@
   <p:clrMapOvr>
     <a:masterClrMapping/>
   </p:clrMapOvr>
-  <p:timing>
-    <p:tnLst>
-      <p:par>
-        <p:cTn id="1" dur="indefinite" restart="never" nodeType="tmRoot"/>
-      </p:par>
-    </p:tnLst>
-  </p:timing>
 </p:sld>
 </file>
 
@@ -4645,7 +4563,7 @@
           <a:graphicData uri="http://schemas.openxmlformats.org/presentationml/2006/ole">
             <mc:AlternateContent xmlns:mc="http://schemas.openxmlformats.org/markup-compatibility/2006">
               <mc:Choice xmlns:v="urn:schemas-microsoft-com:vml" Requires="v">
-                <p:oleObj spid="_x0000_s17429" name="Document" r:id="rId3" imgW="7301323" imgH="919248" progId="Word.Document.12">
+                <p:oleObj spid="_x0000_s17434" name="Document" r:id="rId3" imgW="7301323" imgH="919248" progId="Word.Document.12">
                   <p:embed/>
                 </p:oleObj>
               </mc:Choice>
@@ -4733,7 +4651,7 @@
               <a:defRPr/>
             </a:pPr>
             <a:r>
-              <a:rPr lang="en-US" smtClean="0"/>
+              <a:rPr lang="en-US"/>
               <a:t>Murach's JavaScript and jQuery (3rd Ed.)</a:t>
             </a:r>
             <a:endParaRPr lang="en-US" dirty="0"/>
@@ -4759,39 +4677,38 @@
               <a:defRPr/>
             </a:pPr>
             <a:r>
-              <a:rPr lang="en-US" smtClean="0"/>
+              <a:rPr lang="en-US"/>
               <a:t>© 2017, Mike Murach &amp; Associates, Inc.</a:t>
             </a:r>
+          </a:p>
+        </p:txBody>
+      </p:sp>
+      <p:sp>
+        <p:nvSpPr>
+          <p:cNvPr id="10" name="Slide Number Placeholder 9"/>
+          <p:cNvSpPr>
+            <a:spLocks noGrp="1"/>
+          </p:cNvSpPr>
+          <p:nvPr>
+            <p:ph type="sldNum" sz="quarter" idx="12"/>
+          </p:nvPr>
+        </p:nvSpPr>
+        <p:spPr/>
+        <p:txBody>
+          <a:bodyPr/>
+          <a:lstStyle/>
+          <a:p>
+            <a:pPr>
+              <a:defRPr/>
+            </a:pPr>
             <a:endParaRPr lang="en-US"/>
           </a:p>
-        </p:txBody>
-      </p:sp>
-      <p:sp>
-        <p:nvSpPr>
-          <p:cNvPr id="10" name="Slide Number Placeholder 9"/>
-          <p:cNvSpPr>
-            <a:spLocks noGrp="1"/>
-          </p:cNvSpPr>
-          <p:nvPr>
-            <p:ph type="sldNum" sz="quarter" idx="12"/>
-          </p:nvPr>
-        </p:nvSpPr>
-        <p:spPr/>
-        <p:txBody>
-          <a:bodyPr/>
-          <a:lstStyle/>
-          <a:p>
-            <a:pPr>
-              <a:defRPr/>
-            </a:pPr>
-            <a:endParaRPr lang="en-US" smtClean="0"/>
-          </a:p>
           <a:p>
             <a:pPr algn="r">
               <a:defRPr/>
             </a:pPr>
             <a:r>
-              <a:rPr lang="en-US" sz="900" smtClean="0">
+              <a:rPr lang="en-US" sz="900">
                 <a:solidFill>
                   <a:schemeClr val="bg1"/>
                 </a:solidFill>
@@ -4830,13 +4747,6 @@
   <p:clrMapOvr>
     <a:masterClrMapping/>
   </p:clrMapOvr>
-  <p:timing>
-    <p:tnLst>
-      <p:par>
-        <p:cTn id="1" dur="indefinite" restart="never" nodeType="tmRoot"/>
-      </p:par>
-    </p:tnLst>
-  </p:timing>
 </p:sld>
 </file>
 
@@ -4910,7 +4820,7 @@
               <a:defRPr/>
             </a:pPr>
             <a:r>
-              <a:rPr lang="en-US" smtClean="0"/>
+              <a:rPr lang="en-US"/>
               <a:t>Murach's JavaScript and jQuery (3rd Ed.)</a:t>
             </a:r>
             <a:endParaRPr lang="en-US" dirty="0"/>
@@ -4936,39 +4846,38 @@
               <a:defRPr/>
             </a:pPr>
             <a:r>
-              <a:rPr lang="en-US" smtClean="0"/>
+              <a:rPr lang="en-US"/>
               <a:t>© 2017, Mike Murach &amp; Associates, Inc.</a:t>
             </a:r>
+          </a:p>
+        </p:txBody>
+      </p:sp>
+      <p:sp>
+        <p:nvSpPr>
+          <p:cNvPr id="12" name="Slide Number Placeholder 11"/>
+          <p:cNvSpPr>
+            <a:spLocks noGrp="1"/>
+          </p:cNvSpPr>
+          <p:nvPr>
+            <p:ph type="sldNum" sz="quarter" idx="12"/>
+          </p:nvPr>
+        </p:nvSpPr>
+        <p:spPr/>
+        <p:txBody>
+          <a:bodyPr/>
+          <a:lstStyle/>
+          <a:p>
+            <a:pPr>
+              <a:defRPr/>
+            </a:pPr>
             <a:endParaRPr lang="en-US"/>
           </a:p>
-        </p:txBody>
-      </p:sp>
-      <p:sp>
-        <p:nvSpPr>
-          <p:cNvPr id="12" name="Slide Number Placeholder 11"/>
-          <p:cNvSpPr>
-            <a:spLocks noGrp="1"/>
-          </p:cNvSpPr>
-          <p:nvPr>
-            <p:ph type="sldNum" sz="quarter" idx="12"/>
-          </p:nvPr>
-        </p:nvSpPr>
-        <p:spPr/>
-        <p:txBody>
-          <a:bodyPr/>
-          <a:lstStyle/>
-          <a:p>
-            <a:pPr>
-              <a:defRPr/>
-            </a:pPr>
-            <a:endParaRPr lang="en-US" smtClean="0"/>
-          </a:p>
           <a:p>
             <a:pPr algn="r">
               <a:defRPr/>
             </a:pPr>
             <a:r>
-              <a:rPr lang="en-US" sz="900" smtClean="0">
+              <a:rPr lang="en-US" sz="900">
                 <a:solidFill>
                   <a:schemeClr val="bg1"/>
                 </a:solidFill>
@@ -5019,7 +4928,7 @@
           <a:graphicData uri="http://schemas.openxmlformats.org/presentationml/2006/ole">
             <mc:AlternateContent xmlns:mc="http://schemas.openxmlformats.org/markup-compatibility/2006">
               <mc:Choice xmlns:v="urn:schemas-microsoft-com:vml" Requires="v">
-                <p:oleObj spid="_x0000_s18467" name="Document" r:id="rId3" imgW="7313400" imgH="1657163" progId="Word.Document.12">
+                <p:oleObj spid="_x0000_s18472" name="Document" r:id="rId3" imgW="7313400" imgH="1657163" progId="Word.Document.12">
                   <p:embed/>
                 </p:oleObj>
               </mc:Choice>
@@ -5064,13 +4973,6 @@
   <p:clrMapOvr>
     <a:masterClrMapping/>
   </p:clrMapOvr>
-  <p:timing>
-    <p:tnLst>
-      <p:par>
-        <p:cTn id="1" dur="indefinite" restart="never" nodeType="tmRoot"/>
-      </p:par>
-    </p:tnLst>
-  </p:timing>
 </p:sld>
 </file>
 
@@ -5100,25 +5002,25 @@
           <p:nvPr>
             <p:extLst>
               <p:ext uri="{D42A27DB-BD31-4B8C-83A1-F6EECF244321}">
-                <p14:modId xmlns:p14="http://schemas.microsoft.com/office/powerpoint/2010/main" val="3634921603"/>
+                <p14:modId xmlns:p14="http://schemas.microsoft.com/office/powerpoint/2010/main" val="1074319168"/>
               </p:ext>
             </p:extLst>
           </p:nvPr>
         </p:nvGraphicFramePr>
         <p:xfrm>
-          <a:off x="914400" y="1066800"/>
-          <a:ext cx="7313400" cy="4868951"/>
+          <a:off x="914400" y="1068388"/>
+          <a:ext cx="7253288" cy="4829175"/>
         </p:xfrm>
         <a:graphic>
           <a:graphicData uri="http://schemas.openxmlformats.org/presentationml/2006/ole">
             <mc:AlternateContent xmlns:mc="http://schemas.openxmlformats.org/markup-compatibility/2006">
               <mc:Choice xmlns:v="urn:schemas-microsoft-com:vml" Requires="v">
-                <p:oleObj spid="_x0000_s2069" name="Document" r:id="rId3" imgW="7313400" imgH="4868951" progId="Word.Document.12">
+                <p:oleObj spid="_x0000_s2074" name="Document" r:id="rId3" imgW="7301323" imgH="4878865" progId="Word.Document.12">
                   <p:embed/>
                 </p:oleObj>
               </mc:Choice>
               <mc:Fallback>
-                <p:oleObj name="Document" r:id="rId3" imgW="7313400" imgH="4868951" progId="Word.Document.12">
+                <p:oleObj name="Document" r:id="rId3" imgW="7301323" imgH="4878865" progId="Word.Document.12">
                   <p:embed/>
                   <p:pic>
                     <p:nvPicPr>
@@ -5134,8 +5036,8 @@
                     </p:blipFill>
                     <p:spPr>
                       <a:xfrm>
-                        <a:off x="914400" y="1066800"/>
-                        <a:ext cx="7313400" cy="4868951"/>
+                        <a:off x="914400" y="1068388"/>
+                        <a:ext cx="7253288" cy="4829175"/>
                       </a:xfrm>
                       <a:prstGeom prst="rect">
                         <a:avLst/>
@@ -5194,7 +5096,7 @@
               <a:defRPr/>
             </a:pPr>
             <a:r>
-              <a:rPr lang="en-US" smtClean="0"/>
+              <a:rPr lang="en-US"/>
               <a:t>Murach's JavaScript and jQuery (3rd Ed.)</a:t>
             </a:r>
             <a:endParaRPr lang="en-US" dirty="0"/>
@@ -5220,39 +5122,38 @@
               <a:defRPr/>
             </a:pPr>
             <a:r>
-              <a:rPr lang="en-US" smtClean="0"/>
+              <a:rPr lang="en-US"/>
               <a:t>© 2017, Mike Murach &amp; Associates, Inc.</a:t>
             </a:r>
+          </a:p>
+        </p:txBody>
+      </p:sp>
+      <p:sp>
+        <p:nvSpPr>
+          <p:cNvPr id="10" name="Slide Number Placeholder 9"/>
+          <p:cNvSpPr>
+            <a:spLocks noGrp="1"/>
+          </p:cNvSpPr>
+          <p:nvPr>
+            <p:ph type="sldNum" sz="quarter" idx="12"/>
+          </p:nvPr>
+        </p:nvSpPr>
+        <p:spPr/>
+        <p:txBody>
+          <a:bodyPr/>
+          <a:lstStyle/>
+          <a:p>
+            <a:pPr>
+              <a:defRPr/>
+            </a:pPr>
             <a:endParaRPr lang="en-US"/>
           </a:p>
-        </p:txBody>
-      </p:sp>
-      <p:sp>
-        <p:nvSpPr>
-          <p:cNvPr id="10" name="Slide Number Placeholder 9"/>
-          <p:cNvSpPr>
-            <a:spLocks noGrp="1"/>
-          </p:cNvSpPr>
-          <p:nvPr>
-            <p:ph type="sldNum" sz="quarter" idx="12"/>
-          </p:nvPr>
-        </p:nvSpPr>
-        <p:spPr/>
-        <p:txBody>
-          <a:bodyPr/>
-          <a:lstStyle/>
-          <a:p>
-            <a:pPr>
-              <a:defRPr/>
-            </a:pPr>
-            <a:endParaRPr lang="en-US" smtClean="0"/>
-          </a:p>
           <a:p>
             <a:pPr algn="r">
               <a:defRPr/>
             </a:pPr>
             <a:r>
-              <a:rPr lang="en-US" sz="900" smtClean="0">
+              <a:rPr lang="en-US" sz="900">
                 <a:solidFill>
                   <a:schemeClr val="bg1"/>
                 </a:solidFill>
@@ -5291,13 +5192,6 @@
   <p:clrMapOvr>
     <a:masterClrMapping/>
   </p:clrMapOvr>
-  <p:timing>
-    <p:tnLst>
-      <p:par>
-        <p:cTn id="1" dur="indefinite" restart="never" nodeType="tmRoot"/>
-      </p:par>
-    </p:tnLst>
-  </p:timing>
 </p:sld>
 </file>
 
@@ -5340,7 +5234,7 @@
           <a:graphicData uri="http://schemas.openxmlformats.org/presentationml/2006/ole">
             <mc:AlternateContent xmlns:mc="http://schemas.openxmlformats.org/markup-compatibility/2006">
               <mc:Choice xmlns:v="urn:schemas-microsoft-com:vml" Requires="v">
-                <p:oleObj spid="_x0000_s19477" name="Document" r:id="rId3" imgW="7313400" imgH="696901" progId="Word.Document.12">
+                <p:oleObj spid="_x0000_s19482" name="Document" r:id="rId3" imgW="7313400" imgH="696901" progId="Word.Document.12">
                   <p:embed/>
                 </p:oleObj>
               </mc:Choice>
@@ -5421,7 +5315,7 @@
               <a:defRPr/>
             </a:pPr>
             <a:r>
-              <a:rPr lang="en-US" smtClean="0"/>
+              <a:rPr lang="en-US"/>
               <a:t>Murach's JavaScript and jQuery (3rd Ed.)</a:t>
             </a:r>
             <a:endParaRPr lang="en-US" dirty="0"/>
@@ -5447,39 +5341,38 @@
               <a:defRPr/>
             </a:pPr>
             <a:r>
-              <a:rPr lang="en-US" smtClean="0"/>
+              <a:rPr lang="en-US"/>
               <a:t>© 2017, Mike Murach &amp; Associates, Inc.</a:t>
             </a:r>
+          </a:p>
+        </p:txBody>
+      </p:sp>
+      <p:sp>
+        <p:nvSpPr>
+          <p:cNvPr id="10" name="Slide Number Placeholder 9"/>
+          <p:cNvSpPr>
+            <a:spLocks noGrp="1"/>
+          </p:cNvSpPr>
+          <p:nvPr>
+            <p:ph type="sldNum" sz="quarter" idx="12"/>
+          </p:nvPr>
+        </p:nvSpPr>
+        <p:spPr/>
+        <p:txBody>
+          <a:bodyPr/>
+          <a:lstStyle/>
+          <a:p>
+            <a:pPr>
+              <a:defRPr/>
+            </a:pPr>
             <a:endParaRPr lang="en-US"/>
           </a:p>
-        </p:txBody>
-      </p:sp>
-      <p:sp>
-        <p:nvSpPr>
-          <p:cNvPr id="10" name="Slide Number Placeholder 9"/>
-          <p:cNvSpPr>
-            <a:spLocks noGrp="1"/>
-          </p:cNvSpPr>
-          <p:nvPr>
-            <p:ph type="sldNum" sz="quarter" idx="12"/>
-          </p:nvPr>
-        </p:nvSpPr>
-        <p:spPr/>
-        <p:txBody>
-          <a:bodyPr/>
-          <a:lstStyle/>
-          <a:p>
-            <a:pPr>
-              <a:defRPr/>
-            </a:pPr>
-            <a:endParaRPr lang="en-US" smtClean="0"/>
-          </a:p>
           <a:p>
             <a:pPr algn="r">
               <a:defRPr/>
             </a:pPr>
             <a:r>
-              <a:rPr lang="en-US" sz="900" smtClean="0">
+              <a:rPr lang="en-US" sz="900">
                 <a:solidFill>
                   <a:schemeClr val="bg1"/>
                 </a:solidFill>
@@ -5518,13 +5411,6 @@
   <p:clrMapOvr>
     <a:masterClrMapping/>
   </p:clrMapOvr>
-  <p:timing>
-    <p:tnLst>
-      <p:par>
-        <p:cTn id="1" dur="indefinite" restart="never" nodeType="tmRoot"/>
-      </p:par>
-    </p:tnLst>
-  </p:timing>
 </p:sld>
 </file>
 
@@ -5567,7 +5453,7 @@
           <a:graphicData uri="http://schemas.openxmlformats.org/presentationml/2006/ole">
             <mc:AlternateContent xmlns:mc="http://schemas.openxmlformats.org/markup-compatibility/2006">
               <mc:Choice xmlns:v="urn:schemas-microsoft-com:vml" Requires="v">
-                <p:oleObj spid="_x0000_s20503" name="Document" r:id="rId3" imgW="7313400" imgH="696901" progId="Word.Document.12">
+                <p:oleObj spid="_x0000_s20508" name="Document" r:id="rId3" imgW="7313400" imgH="696901" progId="Word.Document.12">
                   <p:embed/>
                 </p:oleObj>
               </mc:Choice>
@@ -5655,7 +5541,7 @@
               <a:defRPr/>
             </a:pPr>
             <a:r>
-              <a:rPr lang="en-US" smtClean="0"/>
+              <a:rPr lang="en-US"/>
               <a:t>Murach's JavaScript and jQuery (3rd Ed.)</a:t>
             </a:r>
             <a:endParaRPr lang="en-US" dirty="0"/>
@@ -5681,39 +5567,38 @@
               <a:defRPr/>
             </a:pPr>
             <a:r>
-              <a:rPr lang="en-US" smtClean="0"/>
+              <a:rPr lang="en-US"/>
               <a:t>© 2017, Mike Murach &amp; Associates, Inc.</a:t>
             </a:r>
+          </a:p>
+        </p:txBody>
+      </p:sp>
+      <p:sp>
+        <p:nvSpPr>
+          <p:cNvPr id="10" name="Slide Number Placeholder 9"/>
+          <p:cNvSpPr>
+            <a:spLocks noGrp="1"/>
+          </p:cNvSpPr>
+          <p:nvPr>
+            <p:ph type="sldNum" sz="quarter" idx="12"/>
+          </p:nvPr>
+        </p:nvSpPr>
+        <p:spPr/>
+        <p:txBody>
+          <a:bodyPr/>
+          <a:lstStyle/>
+          <a:p>
+            <a:pPr>
+              <a:defRPr/>
+            </a:pPr>
             <a:endParaRPr lang="en-US"/>
           </a:p>
-        </p:txBody>
-      </p:sp>
-      <p:sp>
-        <p:nvSpPr>
-          <p:cNvPr id="10" name="Slide Number Placeholder 9"/>
-          <p:cNvSpPr>
-            <a:spLocks noGrp="1"/>
-          </p:cNvSpPr>
-          <p:nvPr>
-            <p:ph type="sldNum" sz="quarter" idx="12"/>
-          </p:nvPr>
-        </p:nvSpPr>
-        <p:spPr/>
-        <p:txBody>
-          <a:bodyPr/>
-          <a:lstStyle/>
-          <a:p>
-            <a:pPr>
-              <a:defRPr/>
-            </a:pPr>
-            <a:endParaRPr lang="en-US" smtClean="0"/>
-          </a:p>
           <a:p>
             <a:pPr algn="r">
               <a:defRPr/>
             </a:pPr>
             <a:r>
-              <a:rPr lang="en-US" sz="900" smtClean="0">
+              <a:rPr lang="en-US" sz="900">
                 <a:solidFill>
                   <a:schemeClr val="bg1"/>
                 </a:solidFill>
@@ -5752,13 +5637,6 @@
   <p:clrMapOvr>
     <a:masterClrMapping/>
   </p:clrMapOvr>
-  <p:timing>
-    <p:tnLst>
-      <p:par>
-        <p:cTn id="1" dur="indefinite" restart="never" nodeType="tmRoot"/>
-      </p:par>
-    </p:tnLst>
-  </p:timing>
 </p:sld>
 </file>
 
@@ -5788,7 +5666,7 @@
           <p:nvPr>
             <p:extLst>
               <p:ext uri="{D42A27DB-BD31-4B8C-83A1-F6EECF244321}">
-                <p14:modId xmlns:p14="http://schemas.microsoft.com/office/powerpoint/2010/main" val="1116813630"/>
+                <p14:modId xmlns:p14="http://schemas.microsoft.com/office/powerpoint/2010/main" val="2692277475"/>
               </p:ext>
             </p:extLst>
           </p:nvPr>
@@ -5801,12 +5679,12 @@
           <a:graphicData uri="http://schemas.openxmlformats.org/presentationml/2006/ole">
             <mc:AlternateContent xmlns:mc="http://schemas.openxmlformats.org/markup-compatibility/2006">
               <mc:Choice xmlns:v="urn:schemas-microsoft-com:vml" Requires="v">
-                <p:oleObj spid="_x0000_s21525" name="Document" r:id="rId3" imgW="7301323" imgH="1532081" progId="Word.Document.12">
+                <p:oleObj spid="_x0000_s21531" name="Document" r:id="rId3" imgW="7301323" imgH="1533996" progId="Word.Document.12">
                   <p:embed/>
                 </p:oleObj>
               </mc:Choice>
               <mc:Fallback>
-                <p:oleObj name="Document" r:id="rId3" imgW="7301323" imgH="1532081" progId="Word.Document.12">
+                <p:oleObj name="Document" r:id="rId3" imgW="7301323" imgH="1533996" progId="Word.Document.12">
                   <p:embed/>
                   <p:pic>
                     <p:nvPicPr>
@@ -5882,7 +5760,7 @@
               <a:defRPr/>
             </a:pPr>
             <a:r>
-              <a:rPr lang="en-US" smtClean="0"/>
+              <a:rPr lang="en-US"/>
               <a:t>Murach's JavaScript and jQuery (3rd Ed.)</a:t>
             </a:r>
             <a:endParaRPr lang="en-US" dirty="0"/>
@@ -5908,39 +5786,38 @@
               <a:defRPr/>
             </a:pPr>
             <a:r>
-              <a:rPr lang="en-US" smtClean="0"/>
+              <a:rPr lang="en-US"/>
               <a:t>© 2017, Mike Murach &amp; Associates, Inc.</a:t>
             </a:r>
+          </a:p>
+        </p:txBody>
+      </p:sp>
+      <p:sp>
+        <p:nvSpPr>
+          <p:cNvPr id="10" name="Slide Number Placeholder 9"/>
+          <p:cNvSpPr>
+            <a:spLocks noGrp="1"/>
+          </p:cNvSpPr>
+          <p:nvPr>
+            <p:ph type="sldNum" sz="quarter" idx="12"/>
+          </p:nvPr>
+        </p:nvSpPr>
+        <p:spPr/>
+        <p:txBody>
+          <a:bodyPr/>
+          <a:lstStyle/>
+          <a:p>
+            <a:pPr>
+              <a:defRPr/>
+            </a:pPr>
             <a:endParaRPr lang="en-US"/>
           </a:p>
-        </p:txBody>
-      </p:sp>
-      <p:sp>
-        <p:nvSpPr>
-          <p:cNvPr id="10" name="Slide Number Placeholder 9"/>
-          <p:cNvSpPr>
-            <a:spLocks noGrp="1"/>
-          </p:cNvSpPr>
-          <p:nvPr>
-            <p:ph type="sldNum" sz="quarter" idx="12"/>
-          </p:nvPr>
-        </p:nvSpPr>
-        <p:spPr/>
-        <p:txBody>
-          <a:bodyPr/>
-          <a:lstStyle/>
-          <a:p>
-            <a:pPr>
-              <a:defRPr/>
-            </a:pPr>
-            <a:endParaRPr lang="en-US" smtClean="0"/>
-          </a:p>
           <a:p>
             <a:pPr algn="r">
               <a:defRPr/>
             </a:pPr>
             <a:r>
-              <a:rPr lang="en-US" sz="900" smtClean="0">
+              <a:rPr lang="en-US" sz="900">
                 <a:solidFill>
                   <a:schemeClr val="bg1"/>
                 </a:solidFill>
@@ -5979,13 +5856,6 @@
   <p:clrMapOvr>
     <a:masterClrMapping/>
   </p:clrMapOvr>
-  <p:timing>
-    <p:tnLst>
-      <p:par>
-        <p:cTn id="1" dur="indefinite" restart="never" nodeType="tmRoot"/>
-      </p:par>
-    </p:tnLst>
-  </p:timing>
 </p:sld>
 </file>
 
@@ -6015,25 +5885,25 @@
           <p:nvPr>
             <p:extLst>
               <p:ext uri="{D42A27DB-BD31-4B8C-83A1-F6EECF244321}">
-                <p14:modId xmlns:p14="http://schemas.microsoft.com/office/powerpoint/2010/main" val="1013933280"/>
+                <p14:modId xmlns:p14="http://schemas.microsoft.com/office/powerpoint/2010/main" val="291000628"/>
               </p:ext>
             </p:extLst>
           </p:nvPr>
         </p:nvGraphicFramePr>
         <p:xfrm>
-          <a:off x="914400" y="1371600"/>
-          <a:ext cx="7313400" cy="1645650"/>
+          <a:off x="914400" y="1266825"/>
+          <a:ext cx="7170738" cy="2028825"/>
         </p:xfrm>
         <a:graphic>
           <a:graphicData uri="http://schemas.openxmlformats.org/presentationml/2006/ole">
             <mc:AlternateContent xmlns:mc="http://schemas.openxmlformats.org/markup-compatibility/2006">
               <mc:Choice xmlns:v="urn:schemas-microsoft-com:vml" Requires="v">
-                <p:oleObj spid="_x0000_s22550" name="Document" r:id="rId3" imgW="7313400" imgH="1645650" progId="Word.Document.12">
+                <p:oleObj spid="_x0000_s22556" name="Document" r:id="rId3" imgW="7301323" imgH="1850890" progId="Word.Document.12">
                   <p:embed/>
                 </p:oleObj>
               </mc:Choice>
               <mc:Fallback>
-                <p:oleObj name="Document" r:id="rId3" imgW="7313400" imgH="1645650" progId="Word.Document.12">
+                <p:oleObj name="Document" r:id="rId3" imgW="7301323" imgH="1850890" progId="Word.Document.12">
                   <p:embed/>
                   <p:pic>
                     <p:nvPicPr>
@@ -6049,8 +5919,8 @@
                     </p:blipFill>
                     <p:spPr>
                       <a:xfrm>
-                        <a:off x="914400" y="1371600"/>
-                        <a:ext cx="7313400" cy="1645650"/>
+                        <a:off x="914400" y="1266825"/>
+                        <a:ext cx="7170738" cy="2028825"/>
                       </a:xfrm>
                       <a:prstGeom prst="rect">
                         <a:avLst/>
@@ -6116,7 +5986,7 @@
               <a:defRPr/>
             </a:pPr>
             <a:r>
-              <a:rPr lang="en-US" smtClean="0"/>
+              <a:rPr lang="en-US"/>
               <a:t>Murach's JavaScript and jQuery (3rd Ed.)</a:t>
             </a:r>
             <a:endParaRPr lang="en-US" dirty="0"/>
@@ -6142,39 +6012,38 @@
               <a:defRPr/>
             </a:pPr>
             <a:r>
-              <a:rPr lang="en-US" smtClean="0"/>
+              <a:rPr lang="en-US"/>
               <a:t>© 2017, Mike Murach &amp; Associates, Inc.</a:t>
             </a:r>
+          </a:p>
+        </p:txBody>
+      </p:sp>
+      <p:sp>
+        <p:nvSpPr>
+          <p:cNvPr id="10" name="Slide Number Placeholder 9"/>
+          <p:cNvSpPr>
+            <a:spLocks noGrp="1"/>
+          </p:cNvSpPr>
+          <p:nvPr>
+            <p:ph type="sldNum" sz="quarter" idx="12"/>
+          </p:nvPr>
+        </p:nvSpPr>
+        <p:spPr/>
+        <p:txBody>
+          <a:bodyPr/>
+          <a:lstStyle/>
+          <a:p>
+            <a:pPr>
+              <a:defRPr/>
+            </a:pPr>
             <a:endParaRPr lang="en-US"/>
           </a:p>
-        </p:txBody>
-      </p:sp>
-      <p:sp>
-        <p:nvSpPr>
-          <p:cNvPr id="10" name="Slide Number Placeholder 9"/>
-          <p:cNvSpPr>
-            <a:spLocks noGrp="1"/>
-          </p:cNvSpPr>
-          <p:nvPr>
-            <p:ph type="sldNum" sz="quarter" idx="12"/>
-          </p:nvPr>
-        </p:nvSpPr>
-        <p:spPr/>
-        <p:txBody>
-          <a:bodyPr/>
-          <a:lstStyle/>
-          <a:p>
-            <a:pPr>
-              <a:defRPr/>
-            </a:pPr>
-            <a:endParaRPr lang="en-US" smtClean="0"/>
-          </a:p>
           <a:p>
             <a:pPr algn="r">
               <a:defRPr/>
             </a:pPr>
             <a:r>
-              <a:rPr lang="en-US" sz="900" smtClean="0">
+              <a:rPr lang="en-US" sz="900">
                 <a:solidFill>
                   <a:schemeClr val="bg1"/>
                 </a:solidFill>
@@ -6213,13 +6082,6 @@
   <p:clrMapOvr>
     <a:masterClrMapping/>
   </p:clrMapOvr>
-  <p:timing>
-    <p:tnLst>
-      <p:par>
-        <p:cTn id="1" dur="indefinite" restart="never" nodeType="tmRoot"/>
-      </p:par>
-    </p:tnLst>
-  </p:timing>
 </p:sld>
 </file>
 
@@ -6262,7 +6124,7 @@
           <a:graphicData uri="http://schemas.openxmlformats.org/presentationml/2006/ole">
             <mc:AlternateContent xmlns:mc="http://schemas.openxmlformats.org/markup-compatibility/2006">
               <mc:Choice xmlns:v="urn:schemas-microsoft-com:vml" Requires="v">
-                <p:oleObj spid="_x0000_s23575" name="Document" r:id="rId3" imgW="7301323" imgH="1532081" progId="Word.Document.12">
+                <p:oleObj spid="_x0000_s23580" name="Document" r:id="rId3" imgW="7301323" imgH="1532081" progId="Word.Document.12">
                   <p:embed/>
                 </p:oleObj>
               </mc:Choice>
@@ -6343,7 +6205,7 @@
               <a:defRPr/>
             </a:pPr>
             <a:r>
-              <a:rPr lang="en-US" smtClean="0"/>
+              <a:rPr lang="en-US"/>
               <a:t>Murach's JavaScript and jQuery (3rd Ed.)</a:t>
             </a:r>
             <a:endParaRPr lang="en-US" dirty="0"/>
@@ -6369,39 +6231,38 @@
               <a:defRPr/>
             </a:pPr>
             <a:r>
-              <a:rPr lang="en-US" smtClean="0"/>
+              <a:rPr lang="en-US"/>
               <a:t>© 2017, Mike Murach &amp; Associates, Inc.</a:t>
             </a:r>
+          </a:p>
+        </p:txBody>
+      </p:sp>
+      <p:sp>
+        <p:nvSpPr>
+          <p:cNvPr id="10" name="Slide Number Placeholder 9"/>
+          <p:cNvSpPr>
+            <a:spLocks noGrp="1"/>
+          </p:cNvSpPr>
+          <p:nvPr>
+            <p:ph type="sldNum" sz="quarter" idx="12"/>
+          </p:nvPr>
+        </p:nvSpPr>
+        <p:spPr/>
+        <p:txBody>
+          <a:bodyPr/>
+          <a:lstStyle/>
+          <a:p>
+            <a:pPr>
+              <a:defRPr/>
+            </a:pPr>
             <a:endParaRPr lang="en-US"/>
           </a:p>
-        </p:txBody>
-      </p:sp>
-      <p:sp>
-        <p:nvSpPr>
-          <p:cNvPr id="10" name="Slide Number Placeholder 9"/>
-          <p:cNvSpPr>
-            <a:spLocks noGrp="1"/>
-          </p:cNvSpPr>
-          <p:nvPr>
-            <p:ph type="sldNum" sz="quarter" idx="12"/>
-          </p:nvPr>
-        </p:nvSpPr>
-        <p:spPr/>
-        <p:txBody>
-          <a:bodyPr/>
-          <a:lstStyle/>
-          <a:p>
-            <a:pPr>
-              <a:defRPr/>
-            </a:pPr>
-            <a:endParaRPr lang="en-US" smtClean="0"/>
-          </a:p>
           <a:p>
             <a:pPr algn="r">
               <a:defRPr/>
             </a:pPr>
             <a:r>
-              <a:rPr lang="en-US" sz="900" smtClean="0">
+              <a:rPr lang="en-US" sz="900">
                 <a:solidFill>
                   <a:schemeClr val="bg1"/>
                 </a:solidFill>
@@ -6440,13 +6301,6 @@
   <p:clrMapOvr>
     <a:masterClrMapping/>
   </p:clrMapOvr>
-  <p:timing>
-    <p:tnLst>
-      <p:par>
-        <p:cTn id="1" dur="indefinite" restart="never" nodeType="tmRoot"/>
-      </p:par>
-    </p:tnLst>
-  </p:timing>
 </p:sld>
 </file>
 
@@ -6489,7 +6343,7 @@
           <a:graphicData uri="http://schemas.openxmlformats.org/presentationml/2006/ole">
             <mc:AlternateContent xmlns:mc="http://schemas.openxmlformats.org/markup-compatibility/2006">
               <mc:Choice xmlns:v="urn:schemas-microsoft-com:vml" Requires="v">
-                <p:oleObj spid="_x0000_s24599" name="Document" r:id="rId3" imgW="7313400" imgH="2048248" progId="Word.Document.12">
+                <p:oleObj spid="_x0000_s24604" name="Document" r:id="rId3" imgW="7313400" imgH="2048248" progId="Word.Document.12">
                   <p:embed/>
                 </p:oleObj>
               </mc:Choice>
@@ -6577,7 +6431,7 @@
               <a:defRPr/>
             </a:pPr>
             <a:r>
-              <a:rPr lang="en-US" smtClean="0"/>
+              <a:rPr lang="en-US"/>
               <a:t>Murach's JavaScript and jQuery (3rd Ed.)</a:t>
             </a:r>
             <a:endParaRPr lang="en-US" dirty="0"/>
@@ -6603,39 +6457,38 @@
               <a:defRPr/>
             </a:pPr>
             <a:r>
-              <a:rPr lang="en-US" smtClean="0"/>
+              <a:rPr lang="en-US"/>
               <a:t>© 2017, Mike Murach &amp; Associates, Inc.</a:t>
             </a:r>
+          </a:p>
+        </p:txBody>
+      </p:sp>
+      <p:sp>
+        <p:nvSpPr>
+          <p:cNvPr id="10" name="Slide Number Placeholder 9"/>
+          <p:cNvSpPr>
+            <a:spLocks noGrp="1"/>
+          </p:cNvSpPr>
+          <p:nvPr>
+            <p:ph type="sldNum" sz="quarter" idx="12"/>
+          </p:nvPr>
+        </p:nvSpPr>
+        <p:spPr/>
+        <p:txBody>
+          <a:bodyPr/>
+          <a:lstStyle/>
+          <a:p>
+            <a:pPr>
+              <a:defRPr/>
+            </a:pPr>
             <a:endParaRPr lang="en-US"/>
           </a:p>
-        </p:txBody>
-      </p:sp>
-      <p:sp>
-        <p:nvSpPr>
-          <p:cNvPr id="10" name="Slide Number Placeholder 9"/>
-          <p:cNvSpPr>
-            <a:spLocks noGrp="1"/>
-          </p:cNvSpPr>
-          <p:nvPr>
-            <p:ph type="sldNum" sz="quarter" idx="12"/>
-          </p:nvPr>
-        </p:nvSpPr>
-        <p:spPr/>
-        <p:txBody>
-          <a:bodyPr/>
-          <a:lstStyle/>
-          <a:p>
-            <a:pPr>
-              <a:defRPr/>
-            </a:pPr>
-            <a:endParaRPr lang="en-US" smtClean="0"/>
-          </a:p>
           <a:p>
             <a:pPr algn="r">
               <a:defRPr/>
             </a:pPr>
             <a:r>
-              <a:rPr lang="en-US" sz="900" smtClean="0">
+              <a:rPr lang="en-US" sz="900">
                 <a:solidFill>
                   <a:schemeClr val="bg1"/>
                 </a:solidFill>
@@ -6674,13 +6527,6 @@
   <p:clrMapOvr>
     <a:masterClrMapping/>
   </p:clrMapOvr>
-  <p:timing>
-    <p:tnLst>
-      <p:par>
-        <p:cTn id="1" dur="indefinite" restart="never" nodeType="tmRoot"/>
-      </p:par>
-    </p:tnLst>
-  </p:timing>
 </p:sld>
 </file>
 
@@ -6747,7 +6593,7 @@
               <a:defRPr/>
             </a:pPr>
             <a:r>
-              <a:rPr lang="en-US" smtClean="0"/>
+              <a:rPr lang="en-US"/>
               <a:t>Murach's JavaScript and jQuery (3rd Ed.)</a:t>
             </a:r>
             <a:endParaRPr lang="en-US" dirty="0"/>
@@ -6773,39 +6619,38 @@
               <a:defRPr/>
             </a:pPr>
             <a:r>
-              <a:rPr lang="en-US" smtClean="0"/>
+              <a:rPr lang="en-US"/>
               <a:t>© 2017, Mike Murach &amp; Associates, Inc.</a:t>
             </a:r>
+          </a:p>
+        </p:txBody>
+      </p:sp>
+      <p:sp>
+        <p:nvSpPr>
+          <p:cNvPr id="10" name="Slide Number Placeholder 9"/>
+          <p:cNvSpPr>
+            <a:spLocks noGrp="1"/>
+          </p:cNvSpPr>
+          <p:nvPr>
+            <p:ph type="sldNum" sz="quarter" idx="12"/>
+          </p:nvPr>
+        </p:nvSpPr>
+        <p:spPr/>
+        <p:txBody>
+          <a:bodyPr/>
+          <a:lstStyle/>
+          <a:p>
+            <a:pPr>
+              <a:defRPr/>
+            </a:pPr>
             <a:endParaRPr lang="en-US"/>
           </a:p>
-        </p:txBody>
-      </p:sp>
-      <p:sp>
-        <p:nvSpPr>
-          <p:cNvPr id="10" name="Slide Number Placeholder 9"/>
-          <p:cNvSpPr>
-            <a:spLocks noGrp="1"/>
-          </p:cNvSpPr>
-          <p:nvPr>
-            <p:ph type="sldNum" sz="quarter" idx="12"/>
-          </p:nvPr>
-        </p:nvSpPr>
-        <p:spPr/>
-        <p:txBody>
-          <a:bodyPr/>
-          <a:lstStyle/>
-          <a:p>
-            <a:pPr>
-              <a:defRPr/>
-            </a:pPr>
-            <a:endParaRPr lang="en-US" smtClean="0"/>
-          </a:p>
           <a:p>
             <a:pPr algn="r">
               <a:defRPr/>
             </a:pPr>
             <a:r>
-              <a:rPr lang="en-US" sz="900" smtClean="0">
+              <a:rPr lang="en-US" sz="900">
                 <a:solidFill>
                   <a:schemeClr val="bg1"/>
                 </a:solidFill>
@@ -6879,13 +6724,6 @@
   <p:clrMapOvr>
     <a:masterClrMapping/>
   </p:clrMapOvr>
-  <p:timing>
-    <p:tnLst>
-      <p:par>
-        <p:cTn id="1" dur="indefinite" restart="never" nodeType="tmRoot"/>
-      </p:par>
-    </p:tnLst>
-  </p:timing>
 </p:sld>
 </file>
 
@@ -6915,25 +6753,25 @@
           <p:nvPr>
             <p:extLst>
               <p:ext uri="{D42A27DB-BD31-4B8C-83A1-F6EECF244321}">
-                <p14:modId xmlns:p14="http://schemas.microsoft.com/office/powerpoint/2010/main" val="2159317184"/>
+                <p14:modId xmlns:p14="http://schemas.microsoft.com/office/powerpoint/2010/main" val="1942139474"/>
               </p:ext>
             </p:extLst>
           </p:nvPr>
         </p:nvGraphicFramePr>
         <p:xfrm>
-          <a:off x="914400" y="1111877"/>
-          <a:ext cx="7313400" cy="3917323"/>
+          <a:off x="914400" y="1109663"/>
+          <a:ext cx="7313613" cy="3922712"/>
         </p:xfrm>
         <a:graphic>
           <a:graphicData uri="http://schemas.openxmlformats.org/presentationml/2006/ole">
             <mc:AlternateContent xmlns:mc="http://schemas.openxmlformats.org/markup-compatibility/2006">
               <mc:Choice xmlns:v="urn:schemas-microsoft-com:vml" Requires="v">
-                <p:oleObj spid="_x0000_s26646" name="Document" r:id="rId3" imgW="7313400" imgH="3917323" progId="Word.Document.12">
+                <p:oleObj spid="_x0000_s26652" name="Document" r:id="rId3" imgW="7301323" imgH="3931428" progId="Word.Document.12">
                   <p:embed/>
                 </p:oleObj>
               </mc:Choice>
               <mc:Fallback>
-                <p:oleObj name="Document" r:id="rId3" imgW="7313400" imgH="3917323" progId="Word.Document.12">
+                <p:oleObj name="Document" r:id="rId3" imgW="7301323" imgH="3931428" progId="Word.Document.12">
                   <p:embed/>
                   <p:pic>
                     <p:nvPicPr>
@@ -6949,8 +6787,8 @@
                     </p:blipFill>
                     <p:spPr>
                       <a:xfrm>
-                        <a:off x="914400" y="1111877"/>
-                        <a:ext cx="7313400" cy="3917323"/>
+                        <a:off x="914400" y="1109663"/>
+                        <a:ext cx="7313613" cy="3922712"/>
                       </a:xfrm>
                       <a:prstGeom prst="rect">
                         <a:avLst/>
@@ -7009,7 +6847,7 @@
               <a:defRPr/>
             </a:pPr>
             <a:r>
-              <a:rPr lang="en-US" smtClean="0"/>
+              <a:rPr lang="en-US"/>
               <a:t>Murach's JavaScript and jQuery (3rd Ed.)</a:t>
             </a:r>
             <a:endParaRPr lang="en-US" dirty="0"/>
@@ -7035,39 +6873,38 @@
               <a:defRPr/>
             </a:pPr>
             <a:r>
-              <a:rPr lang="en-US" smtClean="0"/>
+              <a:rPr lang="en-US"/>
               <a:t>© 2017, Mike Murach &amp; Associates, Inc.</a:t>
             </a:r>
+          </a:p>
+        </p:txBody>
+      </p:sp>
+      <p:sp>
+        <p:nvSpPr>
+          <p:cNvPr id="10" name="Slide Number Placeholder 9"/>
+          <p:cNvSpPr>
+            <a:spLocks noGrp="1"/>
+          </p:cNvSpPr>
+          <p:nvPr>
+            <p:ph type="sldNum" sz="quarter" idx="12"/>
+          </p:nvPr>
+        </p:nvSpPr>
+        <p:spPr/>
+        <p:txBody>
+          <a:bodyPr/>
+          <a:lstStyle/>
+          <a:p>
+            <a:pPr>
+              <a:defRPr/>
+            </a:pPr>
             <a:endParaRPr lang="en-US"/>
           </a:p>
-        </p:txBody>
-      </p:sp>
-      <p:sp>
-        <p:nvSpPr>
-          <p:cNvPr id="10" name="Slide Number Placeholder 9"/>
-          <p:cNvSpPr>
-            <a:spLocks noGrp="1"/>
-          </p:cNvSpPr>
-          <p:nvPr>
-            <p:ph type="sldNum" sz="quarter" idx="12"/>
-          </p:nvPr>
-        </p:nvSpPr>
-        <p:spPr/>
-        <p:txBody>
-          <a:bodyPr/>
-          <a:lstStyle/>
-          <a:p>
-            <a:pPr>
-              <a:defRPr/>
-            </a:pPr>
-            <a:endParaRPr lang="en-US" smtClean="0"/>
-          </a:p>
           <a:p>
             <a:pPr algn="r">
               <a:defRPr/>
             </a:pPr>
             <a:r>
-              <a:rPr lang="en-US" sz="900" smtClean="0">
+              <a:rPr lang="en-US" sz="900">
                 <a:solidFill>
                   <a:schemeClr val="bg1"/>
                 </a:solidFill>
@@ -7106,13 +6943,6 @@
   <p:clrMapOvr>
     <a:masterClrMapping/>
   </p:clrMapOvr>
-  <p:timing>
-    <p:tnLst>
-      <p:par>
-        <p:cTn id="1" dur="indefinite" restart="never" nodeType="tmRoot"/>
-      </p:par>
-    </p:tnLst>
-  </p:timing>
 </p:sld>
 </file>
 
@@ -7155,7 +6985,7 @@
           <a:graphicData uri="http://schemas.openxmlformats.org/presentationml/2006/ole">
             <mc:AlternateContent xmlns:mc="http://schemas.openxmlformats.org/markup-compatibility/2006">
               <mc:Choice xmlns:v="urn:schemas-microsoft-com:vml" Requires="v">
-                <p:oleObj spid="_x0000_s27670" name="Document" r:id="rId3" imgW="7313400" imgH="4607748" progId="Word.Document.12">
+                <p:oleObj spid="_x0000_s27675" name="Document" r:id="rId3" imgW="7313400" imgH="4607748" progId="Word.Document.12">
                   <p:embed/>
                 </p:oleObj>
               </mc:Choice>
@@ -7236,7 +7066,7 @@
               <a:defRPr/>
             </a:pPr>
             <a:r>
-              <a:rPr lang="en-US" smtClean="0"/>
+              <a:rPr lang="en-US"/>
               <a:t>Murach's JavaScript and jQuery (3rd Ed.)</a:t>
             </a:r>
             <a:endParaRPr lang="en-US" dirty="0"/>
@@ -7262,39 +7092,38 @@
               <a:defRPr/>
             </a:pPr>
             <a:r>
-              <a:rPr lang="en-US" smtClean="0"/>
+              <a:rPr lang="en-US"/>
               <a:t>© 2017, Mike Murach &amp; Associates, Inc.</a:t>
             </a:r>
+          </a:p>
+        </p:txBody>
+      </p:sp>
+      <p:sp>
+        <p:nvSpPr>
+          <p:cNvPr id="10" name="Slide Number Placeholder 9"/>
+          <p:cNvSpPr>
+            <a:spLocks noGrp="1"/>
+          </p:cNvSpPr>
+          <p:nvPr>
+            <p:ph type="sldNum" sz="quarter" idx="12"/>
+          </p:nvPr>
+        </p:nvSpPr>
+        <p:spPr/>
+        <p:txBody>
+          <a:bodyPr/>
+          <a:lstStyle/>
+          <a:p>
+            <a:pPr>
+              <a:defRPr/>
+            </a:pPr>
             <a:endParaRPr lang="en-US"/>
           </a:p>
-        </p:txBody>
-      </p:sp>
-      <p:sp>
-        <p:nvSpPr>
-          <p:cNvPr id="10" name="Slide Number Placeholder 9"/>
-          <p:cNvSpPr>
-            <a:spLocks noGrp="1"/>
-          </p:cNvSpPr>
-          <p:nvPr>
-            <p:ph type="sldNum" sz="quarter" idx="12"/>
-          </p:nvPr>
-        </p:nvSpPr>
-        <p:spPr/>
-        <p:txBody>
-          <a:bodyPr/>
-          <a:lstStyle/>
-          <a:p>
-            <a:pPr>
-              <a:defRPr/>
-            </a:pPr>
-            <a:endParaRPr lang="en-US" smtClean="0"/>
-          </a:p>
           <a:p>
             <a:pPr algn="r">
               <a:defRPr/>
             </a:pPr>
             <a:r>
-              <a:rPr lang="en-US" sz="900" smtClean="0">
+              <a:rPr lang="en-US" sz="900">
                 <a:solidFill>
                   <a:schemeClr val="bg1"/>
                 </a:solidFill>
@@ -7333,13 +7162,6 @@
   <p:clrMapOvr>
     <a:masterClrMapping/>
   </p:clrMapOvr>
-  <p:timing>
-    <p:tnLst>
-      <p:par>
-        <p:cTn id="1" dur="indefinite" restart="never" nodeType="tmRoot"/>
-      </p:par>
-    </p:tnLst>
-  </p:timing>
 </p:sld>
 </file>
 
@@ -7406,7 +7228,7 @@
               <a:defRPr/>
             </a:pPr>
             <a:r>
-              <a:rPr lang="en-US" smtClean="0"/>
+              <a:rPr lang="en-US"/>
               <a:t>Murach's JavaScript and jQuery (3rd Ed.)</a:t>
             </a:r>
             <a:endParaRPr lang="en-US" dirty="0"/>
@@ -7432,39 +7254,38 @@
               <a:defRPr/>
             </a:pPr>
             <a:r>
-              <a:rPr lang="en-US" smtClean="0"/>
+              <a:rPr lang="en-US"/>
               <a:t>© 2017, Mike Murach &amp; Associates, Inc.</a:t>
             </a:r>
+          </a:p>
+        </p:txBody>
+      </p:sp>
+      <p:sp>
+        <p:nvSpPr>
+          <p:cNvPr id="5" name="Slide Number Placeholder 4"/>
+          <p:cNvSpPr>
+            <a:spLocks noGrp="1"/>
+          </p:cNvSpPr>
+          <p:nvPr>
+            <p:ph type="sldNum" sz="quarter" idx="12"/>
+          </p:nvPr>
+        </p:nvSpPr>
+        <p:spPr/>
+        <p:txBody>
+          <a:bodyPr/>
+          <a:lstStyle/>
+          <a:p>
+            <a:pPr>
+              <a:defRPr/>
+            </a:pPr>
             <a:endParaRPr lang="en-US"/>
           </a:p>
-        </p:txBody>
-      </p:sp>
-      <p:sp>
-        <p:nvSpPr>
-          <p:cNvPr id="5" name="Slide Number Placeholder 4"/>
-          <p:cNvSpPr>
-            <a:spLocks noGrp="1"/>
-          </p:cNvSpPr>
-          <p:nvPr>
-            <p:ph type="sldNum" sz="quarter" idx="12"/>
-          </p:nvPr>
-        </p:nvSpPr>
-        <p:spPr/>
-        <p:txBody>
-          <a:bodyPr/>
-          <a:lstStyle/>
-          <a:p>
-            <a:pPr>
-              <a:defRPr/>
-            </a:pPr>
-            <a:endParaRPr lang="en-US" smtClean="0"/>
-          </a:p>
           <a:p>
             <a:pPr algn="r">
               <a:defRPr/>
             </a:pPr>
             <a:r>
-              <a:rPr lang="en-US" sz="900" smtClean="0">
+              <a:rPr lang="en-US" sz="900">
                 <a:solidFill>
                   <a:schemeClr val="bg1"/>
                 </a:solidFill>
@@ -7515,7 +7336,7 @@
           <a:graphicData uri="http://schemas.openxmlformats.org/presentationml/2006/ole">
             <mc:AlternateContent xmlns:mc="http://schemas.openxmlformats.org/markup-compatibility/2006">
               <mc:Choice xmlns:v="urn:schemas-microsoft-com:vml" Requires="v">
-                <p:oleObj spid="_x0000_s53254" name="Document" r:id="rId3" imgW="7313400" imgH="2070554" progId="Word.Document.12">
+                <p:oleObj spid="_x0000_s53259" name="Document" r:id="rId3" imgW="7313400" imgH="2070554" progId="Word.Document.12">
                   <p:embed/>
                 </p:oleObj>
               </mc:Choice>
@@ -7560,13 +7381,6 @@
   <p:clrMapOvr>
     <a:masterClrMapping/>
   </p:clrMapOvr>
-  <p:timing>
-    <p:tnLst>
-      <p:par>
-        <p:cTn id="1" dur="indefinite" restart="never" nodeType="tmRoot"/>
-      </p:par>
-    </p:tnLst>
-  </p:timing>
 </p:sld>
 </file>
 
@@ -7608,21 +7422,46 @@
           <a:lstStyle/>
           <a:p>
             <a:r>
-              <a:rPr lang="en-US" dirty="0" smtClean="0"/>
+              <a:rPr lang="en-US" dirty="0"/>
               <a:t>Objectives (continued)</a:t>
             </a:r>
+          </a:p>
+        </p:txBody>
+      </p:sp>
+      <p:sp>
+        <p:nvSpPr>
+          <p:cNvPr id="3" name="Date Placeholder 2"/>
+          <p:cNvSpPr>
+            <a:spLocks noGrp="1"/>
+          </p:cNvSpPr>
+          <p:nvPr>
+            <p:ph type="dt" sz="half" idx="10"/>
+          </p:nvPr>
+        </p:nvSpPr>
+        <p:spPr/>
+        <p:txBody>
+          <a:bodyPr/>
+          <a:lstStyle/>
+          <a:p>
+            <a:pPr>
+              <a:defRPr/>
+            </a:pPr>
+            <a:r>
+              <a:rPr lang="en-US"/>
+              <a:t>Murach's JavaScript and jQuery (3rd Ed.)</a:t>
+            </a:r>
             <a:endParaRPr lang="en-US" dirty="0"/>
           </a:p>
         </p:txBody>
       </p:sp>
       <p:sp>
         <p:nvSpPr>
-          <p:cNvPr id="3" name="Date Placeholder 2"/>
-          <p:cNvSpPr>
-            <a:spLocks noGrp="1"/>
-          </p:cNvSpPr>
-          <p:nvPr>
-            <p:ph type="dt" sz="half" idx="10"/>
+          <p:cNvPr id="4" name="Footer Placeholder 3"/>
+          <p:cNvSpPr>
+            <a:spLocks noGrp="1"/>
+          </p:cNvSpPr>
+          <p:nvPr>
+            <p:ph type="ftr" sz="quarter" idx="11"/>
           </p:nvPr>
         </p:nvSpPr>
         <p:spPr/>
@@ -7634,21 +7473,20 @@
               <a:defRPr/>
             </a:pPr>
             <a:r>
-              <a:rPr lang="en-US" smtClean="0"/>
-              <a:t>Murach's JavaScript and jQuery (3rd Ed.)</a:t>
-            </a:r>
-            <a:endParaRPr lang="en-US" dirty="0"/>
-          </a:p>
-        </p:txBody>
-      </p:sp>
-      <p:sp>
-        <p:nvSpPr>
-          <p:cNvPr id="4" name="Footer Placeholder 3"/>
-          <p:cNvSpPr>
-            <a:spLocks noGrp="1"/>
-          </p:cNvSpPr>
-          <p:nvPr>
-            <p:ph type="ftr" sz="quarter" idx="11"/>
+              <a:rPr lang="en-US"/>
+              <a:t>© 2017, Mike Murach &amp; Associates, Inc.</a:t>
+            </a:r>
+          </a:p>
+        </p:txBody>
+      </p:sp>
+      <p:sp>
+        <p:nvSpPr>
+          <p:cNvPr id="5" name="Slide Number Placeholder 4"/>
+          <p:cNvSpPr>
+            <a:spLocks noGrp="1"/>
+          </p:cNvSpPr>
+          <p:nvPr>
+            <p:ph type="sldNum" sz="quarter" idx="12"/>
           </p:nvPr>
         </p:nvSpPr>
         <p:spPr/>
@@ -7659,40 +7497,14 @@
             <a:pPr>
               <a:defRPr/>
             </a:pPr>
-            <a:r>
-              <a:rPr lang="en-US" smtClean="0"/>
-              <a:t>© 2017, Mike Murach &amp; Associates, Inc.</a:t>
-            </a:r>
             <a:endParaRPr lang="en-US"/>
           </a:p>
-        </p:txBody>
-      </p:sp>
-      <p:sp>
-        <p:nvSpPr>
-          <p:cNvPr id="5" name="Slide Number Placeholder 4"/>
-          <p:cNvSpPr>
-            <a:spLocks noGrp="1"/>
-          </p:cNvSpPr>
-          <p:nvPr>
-            <p:ph type="sldNum" sz="quarter" idx="12"/>
-          </p:nvPr>
-        </p:nvSpPr>
-        <p:spPr/>
-        <p:txBody>
-          <a:bodyPr/>
-          <a:lstStyle/>
-          <a:p>
-            <a:pPr>
-              <a:defRPr/>
-            </a:pPr>
-            <a:endParaRPr lang="en-US" smtClean="0"/>
-          </a:p>
           <a:p>
             <a:pPr algn="r">
               <a:defRPr/>
             </a:pPr>
             <a:r>
-              <a:rPr lang="en-US" sz="900" smtClean="0">
+              <a:rPr lang="en-US" sz="900">
                 <a:solidFill>
                   <a:schemeClr val="bg1"/>
                 </a:solidFill>
@@ -7743,7 +7555,7 @@
           <a:graphicData uri="http://schemas.openxmlformats.org/presentationml/2006/ole">
             <mc:AlternateContent xmlns:mc="http://schemas.openxmlformats.org/markup-compatibility/2006">
               <mc:Choice xmlns:v="urn:schemas-microsoft-com:vml" Requires="v">
-                <p:oleObj spid="_x0000_s52231" name="Document" r:id="rId3" imgW="7313400" imgH="1320046" progId="Word.Document.12">
+                <p:oleObj spid="_x0000_s52236" name="Document" r:id="rId3" imgW="7313400" imgH="1320046" progId="Word.Document.12">
                   <p:embed/>
                 </p:oleObj>
               </mc:Choice>
@@ -7788,13 +7600,6 @@
   <p:clrMapOvr>
     <a:masterClrMapping/>
   </p:clrMapOvr>
-  <p:timing>
-    <p:tnLst>
-      <p:par>
-        <p:cTn id="1" dur="indefinite" restart="never" nodeType="tmRoot"/>
-      </p:par>
-    </p:tnLst>
-  </p:timing>
 </p:sld>
 </file>
 
@@ -7824,25 +7629,25 @@
           <p:nvPr>
             <p:extLst>
               <p:ext uri="{D42A27DB-BD31-4B8C-83A1-F6EECF244321}">
-                <p14:modId xmlns:p14="http://schemas.microsoft.com/office/powerpoint/2010/main" val="1819485010"/>
+                <p14:modId xmlns:p14="http://schemas.microsoft.com/office/powerpoint/2010/main" val="3325996513"/>
               </p:ext>
             </p:extLst>
           </p:nvPr>
         </p:nvGraphicFramePr>
         <p:xfrm>
-          <a:off x="914400" y="1143000"/>
-          <a:ext cx="7446568" cy="5219739"/>
+          <a:off x="914400" y="1139825"/>
+          <a:ext cx="7386638" cy="5178425"/>
         </p:xfrm>
         <a:graphic>
           <a:graphicData uri="http://schemas.openxmlformats.org/presentationml/2006/ole">
             <mc:AlternateContent xmlns:mc="http://schemas.openxmlformats.org/markup-compatibility/2006">
               <mc:Choice xmlns:v="urn:schemas-microsoft-com:vml" Requires="v">
-                <p:oleObj spid="_x0000_s28694" name="Document" r:id="rId3" imgW="7446568" imgH="5219739" progId="Word.Document.12">
+                <p:oleObj spid="_x0000_s28700" name="Document" r:id="rId3" imgW="7456138" imgH="5227123" progId="Word.Document.12">
                   <p:embed/>
                 </p:oleObj>
               </mc:Choice>
               <mc:Fallback>
-                <p:oleObj name="Document" r:id="rId3" imgW="7446568" imgH="5219739" progId="Word.Document.12">
+                <p:oleObj name="Document" r:id="rId3" imgW="7456138" imgH="5227123" progId="Word.Document.12">
                   <p:embed/>
                   <p:pic>
                     <p:nvPicPr>
@@ -7858,8 +7663,8 @@
                     </p:blipFill>
                     <p:spPr>
                       <a:xfrm>
-                        <a:off x="914400" y="1143000"/>
-                        <a:ext cx="7446568" cy="5219739"/>
+                        <a:off x="914400" y="1139825"/>
+                        <a:ext cx="7386638" cy="5178425"/>
                       </a:xfrm>
                       <a:prstGeom prst="rect">
                         <a:avLst/>
@@ -7918,7 +7723,7 @@
               <a:defRPr/>
             </a:pPr>
             <a:r>
-              <a:rPr lang="en-US" smtClean="0"/>
+              <a:rPr lang="en-US"/>
               <a:t>Murach's JavaScript and jQuery (3rd Ed.)</a:t>
             </a:r>
             <a:endParaRPr lang="en-US" dirty="0"/>
@@ -7944,39 +7749,38 @@
               <a:defRPr/>
             </a:pPr>
             <a:r>
-              <a:rPr lang="en-US" smtClean="0"/>
+              <a:rPr lang="en-US"/>
               <a:t>© 2017, Mike Murach &amp; Associates, Inc.</a:t>
             </a:r>
+          </a:p>
+        </p:txBody>
+      </p:sp>
+      <p:sp>
+        <p:nvSpPr>
+          <p:cNvPr id="10" name="Slide Number Placeholder 9"/>
+          <p:cNvSpPr>
+            <a:spLocks noGrp="1"/>
+          </p:cNvSpPr>
+          <p:nvPr>
+            <p:ph type="sldNum" sz="quarter" idx="12"/>
+          </p:nvPr>
+        </p:nvSpPr>
+        <p:spPr/>
+        <p:txBody>
+          <a:bodyPr/>
+          <a:lstStyle/>
+          <a:p>
+            <a:pPr>
+              <a:defRPr/>
+            </a:pPr>
             <a:endParaRPr lang="en-US"/>
           </a:p>
-        </p:txBody>
-      </p:sp>
-      <p:sp>
-        <p:nvSpPr>
-          <p:cNvPr id="10" name="Slide Number Placeholder 9"/>
-          <p:cNvSpPr>
-            <a:spLocks noGrp="1"/>
-          </p:cNvSpPr>
-          <p:nvPr>
-            <p:ph type="sldNum" sz="quarter" idx="12"/>
-          </p:nvPr>
-        </p:nvSpPr>
-        <p:spPr/>
-        <p:txBody>
-          <a:bodyPr/>
-          <a:lstStyle/>
-          <a:p>
-            <a:pPr>
-              <a:defRPr/>
-            </a:pPr>
-            <a:endParaRPr lang="en-US" smtClean="0"/>
-          </a:p>
           <a:p>
             <a:pPr algn="r">
               <a:defRPr/>
             </a:pPr>
             <a:r>
-              <a:rPr lang="en-US" sz="900" smtClean="0">
+              <a:rPr lang="en-US" sz="900">
                 <a:solidFill>
                   <a:schemeClr val="bg1"/>
                 </a:solidFill>
@@ -8015,13 +7819,6 @@
   <p:clrMapOvr>
     <a:masterClrMapping/>
   </p:clrMapOvr>
-  <p:timing>
-    <p:tnLst>
-      <p:par>
-        <p:cTn id="1" dur="indefinite" restart="never" nodeType="tmRoot"/>
-      </p:par>
-    </p:tnLst>
-  </p:timing>
 </p:sld>
 </file>
 
@@ -8064,7 +7861,7 @@
           <a:graphicData uri="http://schemas.openxmlformats.org/presentationml/2006/ole">
             <mc:AlternateContent xmlns:mc="http://schemas.openxmlformats.org/markup-compatibility/2006">
               <mc:Choice xmlns:v="urn:schemas-microsoft-com:vml" Requires="v">
-                <p:oleObj spid="_x0000_s29720" name="Document" r:id="rId3" imgW="7446568" imgH="4873987" progId="Word.Document.12">
+                <p:oleObj spid="_x0000_s29725" name="Document" r:id="rId3" imgW="7446568" imgH="4873987" progId="Word.Document.12">
                   <p:embed/>
                 </p:oleObj>
               </mc:Choice>
@@ -8145,7 +7942,7 @@
               <a:defRPr/>
             </a:pPr>
             <a:r>
-              <a:rPr lang="en-US" smtClean="0"/>
+              <a:rPr lang="en-US"/>
               <a:t>Murach's JavaScript and jQuery (3rd Ed.)</a:t>
             </a:r>
             <a:endParaRPr lang="en-US" dirty="0"/>
@@ -8171,39 +7968,38 @@
               <a:defRPr/>
             </a:pPr>
             <a:r>
-              <a:rPr lang="en-US" smtClean="0"/>
+              <a:rPr lang="en-US"/>
               <a:t>© 2017, Mike Murach &amp; Associates, Inc.</a:t>
             </a:r>
+          </a:p>
+        </p:txBody>
+      </p:sp>
+      <p:sp>
+        <p:nvSpPr>
+          <p:cNvPr id="10" name="Slide Number Placeholder 9"/>
+          <p:cNvSpPr>
+            <a:spLocks noGrp="1"/>
+          </p:cNvSpPr>
+          <p:nvPr>
+            <p:ph type="sldNum" sz="quarter" idx="12"/>
+          </p:nvPr>
+        </p:nvSpPr>
+        <p:spPr/>
+        <p:txBody>
+          <a:bodyPr/>
+          <a:lstStyle/>
+          <a:p>
+            <a:pPr>
+              <a:defRPr/>
+            </a:pPr>
             <a:endParaRPr lang="en-US"/>
           </a:p>
-        </p:txBody>
-      </p:sp>
-      <p:sp>
-        <p:nvSpPr>
-          <p:cNvPr id="10" name="Slide Number Placeholder 9"/>
-          <p:cNvSpPr>
-            <a:spLocks noGrp="1"/>
-          </p:cNvSpPr>
-          <p:nvPr>
-            <p:ph type="sldNum" sz="quarter" idx="12"/>
-          </p:nvPr>
-        </p:nvSpPr>
-        <p:spPr/>
-        <p:txBody>
-          <a:bodyPr/>
-          <a:lstStyle/>
-          <a:p>
-            <a:pPr>
-              <a:defRPr/>
-            </a:pPr>
-            <a:endParaRPr lang="en-US" smtClean="0"/>
-          </a:p>
           <a:p>
             <a:pPr algn="r">
               <a:defRPr/>
             </a:pPr>
             <a:r>
-              <a:rPr lang="en-US" sz="900" smtClean="0">
+              <a:rPr lang="en-US" sz="900">
                 <a:solidFill>
                   <a:schemeClr val="bg1"/>
                 </a:solidFill>
@@ -8242,13 +8038,6 @@
   <p:clrMapOvr>
     <a:masterClrMapping/>
   </p:clrMapOvr>
-  <p:timing>
-    <p:tnLst>
-      <p:par>
-        <p:cTn id="1" dur="indefinite" restart="never" nodeType="tmRoot"/>
-      </p:par>
-    </p:tnLst>
-  </p:timing>
 </p:sld>
 </file>
 
@@ -8315,7 +8104,7 @@
               <a:defRPr/>
             </a:pPr>
             <a:r>
-              <a:rPr lang="en-US" smtClean="0"/>
+              <a:rPr lang="en-US"/>
               <a:t>Murach's JavaScript and jQuery (3rd Ed.)</a:t>
             </a:r>
             <a:endParaRPr lang="en-US" dirty="0"/>
@@ -8341,39 +8130,38 @@
               <a:defRPr/>
             </a:pPr>
             <a:r>
-              <a:rPr lang="en-US" smtClean="0"/>
+              <a:rPr lang="en-US"/>
               <a:t>© 2017, Mike Murach &amp; Associates, Inc.</a:t>
             </a:r>
+          </a:p>
+        </p:txBody>
+      </p:sp>
+      <p:sp>
+        <p:nvSpPr>
+          <p:cNvPr id="5" name="Slide Number Placeholder 4"/>
+          <p:cNvSpPr>
+            <a:spLocks noGrp="1"/>
+          </p:cNvSpPr>
+          <p:nvPr>
+            <p:ph type="sldNum" sz="quarter" idx="12"/>
+          </p:nvPr>
+        </p:nvSpPr>
+        <p:spPr/>
+        <p:txBody>
+          <a:bodyPr/>
+          <a:lstStyle/>
+          <a:p>
+            <a:pPr>
+              <a:defRPr/>
+            </a:pPr>
             <a:endParaRPr lang="en-US"/>
           </a:p>
-        </p:txBody>
-      </p:sp>
-      <p:sp>
-        <p:nvSpPr>
-          <p:cNvPr id="5" name="Slide Number Placeholder 4"/>
-          <p:cNvSpPr>
-            <a:spLocks noGrp="1"/>
-          </p:cNvSpPr>
-          <p:nvPr>
-            <p:ph type="sldNum" sz="quarter" idx="12"/>
-          </p:nvPr>
-        </p:nvSpPr>
-        <p:spPr/>
-        <p:txBody>
-          <a:bodyPr/>
-          <a:lstStyle/>
-          <a:p>
-            <a:pPr>
-              <a:defRPr/>
-            </a:pPr>
-            <a:endParaRPr lang="en-US" smtClean="0"/>
-          </a:p>
           <a:p>
             <a:pPr algn="r">
               <a:defRPr/>
             </a:pPr>
             <a:r>
-              <a:rPr lang="en-US" sz="900" smtClean="0">
+              <a:rPr lang="en-US" sz="900">
                 <a:solidFill>
                   <a:schemeClr val="bg1"/>
                 </a:solidFill>
@@ -8411,25 +8199,25 @@
           <p:nvPr>
             <p:extLst>
               <p:ext uri="{D42A27DB-BD31-4B8C-83A1-F6EECF244321}">
-                <p14:modId xmlns:p14="http://schemas.microsoft.com/office/powerpoint/2010/main" val="88772715"/>
+                <p14:modId xmlns:p14="http://schemas.microsoft.com/office/powerpoint/2010/main" val="3883211873"/>
               </p:ext>
             </p:extLst>
           </p:nvPr>
         </p:nvGraphicFramePr>
         <p:xfrm>
-          <a:off x="914400" y="1143000"/>
-          <a:ext cx="7313400" cy="3339511"/>
+          <a:off x="914400" y="1139825"/>
+          <a:ext cx="7253288" cy="3308350"/>
         </p:xfrm>
         <a:graphic>
           <a:graphicData uri="http://schemas.openxmlformats.org/presentationml/2006/ole">
             <mc:AlternateContent xmlns:mc="http://schemas.openxmlformats.org/markup-compatibility/2006">
               <mc:Choice xmlns:v="urn:schemas-microsoft-com:vml" Requires="v">
-                <p:oleObj spid="_x0000_s54278" name="Document" r:id="rId3" imgW="7313400" imgH="3339511" progId="Word.Document.12">
+                <p:oleObj spid="_x0000_s54283" name="Document" r:id="rId3" imgW="7301323" imgH="3344869" progId="Word.Document.12">
                   <p:embed/>
                 </p:oleObj>
               </mc:Choice>
               <mc:Fallback>
-                <p:oleObj name="Document" r:id="rId3" imgW="7313400" imgH="3339511" progId="Word.Document.12">
+                <p:oleObj name="Document" r:id="rId3" imgW="7301323" imgH="3344869" progId="Word.Document.12">
                   <p:embed/>
                   <p:pic>
                     <p:nvPicPr>
@@ -8445,8 +8233,8 @@
                     </p:blipFill>
                     <p:spPr>
                       <a:xfrm>
-                        <a:off x="914400" y="1143000"/>
-                        <a:ext cx="7313400" cy="3339511"/>
+                        <a:off x="914400" y="1139825"/>
+                        <a:ext cx="7253288" cy="3308350"/>
                       </a:xfrm>
                       <a:prstGeom prst="rect">
                         <a:avLst/>
@@ -8469,18 +8257,11 @@
   <p:clrMapOvr>
     <a:masterClrMapping/>
   </p:clrMapOvr>
-  <p:timing>
-    <p:tnLst>
-      <p:par>
-        <p:cTn id="1" dur="indefinite" restart="never" nodeType="tmRoot"/>
-      </p:par>
-    </p:tnLst>
-  </p:timing>
 </p:sld>
 </file>
 
 <file path=ppt/slides/slide33.xml><?xml version="1.0" encoding="utf-8"?>
-<p:sld xmlns:a="http://schemas.openxmlformats.org/drawingml/2006/main" xmlns:r="http://schemas.openxmlformats.org/officeDocument/2006/relationships" xmlns:p="http://schemas.openxmlformats.org/presentationml/2006/main">
+<p:sld xmlns:a="http://schemas.openxmlformats.org/drawingml/2006/main" xmlns:r="http://schemas.openxmlformats.org/officeDocument/2006/relationships" xmlns:p="http://schemas.openxmlformats.org/presentationml/2006/main" show="0">
   <p:cSld>
     <p:spTree>
       <p:nvGrpSpPr>
@@ -8542,7 +8323,7 @@
               <a:defRPr/>
             </a:pPr>
             <a:r>
-              <a:rPr lang="en-US" smtClean="0"/>
+              <a:rPr lang="en-US"/>
               <a:t>Murach's JavaScript and jQuery (3rd Ed.)</a:t>
             </a:r>
             <a:endParaRPr lang="en-US" dirty="0"/>
@@ -8568,39 +8349,38 @@
               <a:defRPr/>
             </a:pPr>
             <a:r>
-              <a:rPr lang="en-US" smtClean="0"/>
+              <a:rPr lang="en-US"/>
               <a:t>© 2017, Mike Murach &amp; Associates, Inc.</a:t>
             </a:r>
+          </a:p>
+        </p:txBody>
+      </p:sp>
+      <p:sp>
+        <p:nvSpPr>
+          <p:cNvPr id="10" name="Slide Number Placeholder 9"/>
+          <p:cNvSpPr>
+            <a:spLocks noGrp="1"/>
+          </p:cNvSpPr>
+          <p:nvPr>
+            <p:ph type="sldNum" sz="quarter" idx="12"/>
+          </p:nvPr>
+        </p:nvSpPr>
+        <p:spPr/>
+        <p:txBody>
+          <a:bodyPr/>
+          <a:lstStyle/>
+          <a:p>
+            <a:pPr>
+              <a:defRPr/>
+            </a:pPr>
             <a:endParaRPr lang="en-US"/>
           </a:p>
-        </p:txBody>
-      </p:sp>
-      <p:sp>
-        <p:nvSpPr>
-          <p:cNvPr id="10" name="Slide Number Placeholder 9"/>
-          <p:cNvSpPr>
-            <a:spLocks noGrp="1"/>
-          </p:cNvSpPr>
-          <p:nvPr>
-            <p:ph type="sldNum" sz="quarter" idx="12"/>
-          </p:nvPr>
-        </p:nvSpPr>
-        <p:spPr/>
-        <p:txBody>
-          <a:bodyPr/>
-          <a:lstStyle/>
-          <a:p>
-            <a:pPr>
-              <a:defRPr/>
-            </a:pPr>
-            <a:endParaRPr lang="en-US" smtClean="0"/>
-          </a:p>
           <a:p>
             <a:pPr algn="r">
               <a:defRPr/>
             </a:pPr>
             <a:r>
-              <a:rPr lang="en-US" sz="900" smtClean="0">
+              <a:rPr lang="en-US" sz="900">
                 <a:solidFill>
                   <a:schemeClr val="bg1"/>
                 </a:solidFill>
@@ -8674,18 +8454,11 @@
   <p:clrMapOvr>
     <a:masterClrMapping/>
   </p:clrMapOvr>
-  <p:timing>
-    <p:tnLst>
-      <p:par>
-        <p:cTn id="1" dur="indefinite" restart="never" nodeType="tmRoot"/>
-      </p:par>
-    </p:tnLst>
-  </p:timing>
 </p:sld>
 </file>
 
 <file path=ppt/slides/slide34.xml><?xml version="1.0" encoding="utf-8"?>
-<p:sld xmlns:a="http://schemas.openxmlformats.org/drawingml/2006/main" xmlns:r="http://schemas.openxmlformats.org/officeDocument/2006/relationships" xmlns:p="http://schemas.openxmlformats.org/presentationml/2006/main">
+<p:sld xmlns:a="http://schemas.openxmlformats.org/drawingml/2006/main" xmlns:r="http://schemas.openxmlformats.org/officeDocument/2006/relationships" xmlns:p="http://schemas.openxmlformats.org/presentationml/2006/main" show="0">
   <p:cSld>
     <p:spTree>
       <p:nvGrpSpPr>
@@ -8747,7 +8520,7 @@
               <a:defRPr/>
             </a:pPr>
             <a:r>
-              <a:rPr lang="en-US" smtClean="0"/>
+              <a:rPr lang="en-US"/>
               <a:t>Murach's JavaScript and jQuery (3rd Ed.)</a:t>
             </a:r>
             <a:endParaRPr lang="en-US" dirty="0"/>
@@ -8773,39 +8546,38 @@
               <a:defRPr/>
             </a:pPr>
             <a:r>
-              <a:rPr lang="en-US" smtClean="0"/>
+              <a:rPr lang="en-US"/>
               <a:t>© 2017, Mike Murach &amp; Associates, Inc.</a:t>
             </a:r>
+          </a:p>
+        </p:txBody>
+      </p:sp>
+      <p:sp>
+        <p:nvSpPr>
+          <p:cNvPr id="10" name="Slide Number Placeholder 9"/>
+          <p:cNvSpPr>
+            <a:spLocks noGrp="1"/>
+          </p:cNvSpPr>
+          <p:nvPr>
+            <p:ph type="sldNum" sz="quarter" idx="12"/>
+          </p:nvPr>
+        </p:nvSpPr>
+        <p:spPr/>
+        <p:txBody>
+          <a:bodyPr/>
+          <a:lstStyle/>
+          <a:p>
+            <a:pPr>
+              <a:defRPr/>
+            </a:pPr>
             <a:endParaRPr lang="en-US"/>
           </a:p>
-        </p:txBody>
-      </p:sp>
-      <p:sp>
-        <p:nvSpPr>
-          <p:cNvPr id="10" name="Slide Number Placeholder 9"/>
-          <p:cNvSpPr>
-            <a:spLocks noGrp="1"/>
-          </p:cNvSpPr>
-          <p:nvPr>
-            <p:ph type="sldNum" sz="quarter" idx="12"/>
-          </p:nvPr>
-        </p:nvSpPr>
-        <p:spPr/>
-        <p:txBody>
-          <a:bodyPr/>
-          <a:lstStyle/>
-          <a:p>
-            <a:pPr>
-              <a:defRPr/>
-            </a:pPr>
-            <a:endParaRPr lang="en-US" smtClean="0"/>
-          </a:p>
           <a:p>
             <a:pPr algn="r">
               <a:defRPr/>
             </a:pPr>
             <a:r>
-              <a:rPr lang="en-US" sz="900" smtClean="0">
+              <a:rPr lang="en-US" sz="900">
                 <a:solidFill>
                   <a:schemeClr val="bg1"/>
                 </a:solidFill>
@@ -8872,13 +8644,6 @@
   <p:clrMapOvr>
     <a:masterClrMapping/>
   </p:clrMapOvr>
-  <p:timing>
-    <p:tnLst>
-      <p:par>
-        <p:cTn id="1" dur="indefinite" restart="never" nodeType="tmRoot"/>
-      </p:par>
-    </p:tnLst>
-  </p:timing>
 </p:sld>
 </file>
 
@@ -8978,7 +8743,7 @@
               <a:defRPr/>
             </a:pPr>
             <a:r>
-              <a:rPr lang="en-US" smtClean="0"/>
+              <a:rPr lang="en-US"/>
               <a:t>Murach's JavaScript and jQuery (3rd Ed.)</a:t>
             </a:r>
             <a:endParaRPr lang="en-US" dirty="0"/>
@@ -9004,39 +8769,38 @@
               <a:defRPr/>
             </a:pPr>
             <a:r>
-              <a:rPr lang="en-US" smtClean="0"/>
+              <a:rPr lang="en-US"/>
               <a:t>© 2017, Mike Murach &amp; Associates, Inc.</a:t>
             </a:r>
+          </a:p>
+        </p:txBody>
+      </p:sp>
+      <p:sp>
+        <p:nvSpPr>
+          <p:cNvPr id="10" name="Slide Number Placeholder 9"/>
+          <p:cNvSpPr>
+            <a:spLocks noGrp="1"/>
+          </p:cNvSpPr>
+          <p:nvPr>
+            <p:ph type="sldNum" sz="quarter" idx="12"/>
+          </p:nvPr>
+        </p:nvSpPr>
+        <p:spPr/>
+        <p:txBody>
+          <a:bodyPr/>
+          <a:lstStyle/>
+          <a:p>
+            <a:pPr>
+              <a:defRPr/>
+            </a:pPr>
             <a:endParaRPr lang="en-US"/>
           </a:p>
-        </p:txBody>
-      </p:sp>
-      <p:sp>
-        <p:nvSpPr>
-          <p:cNvPr id="10" name="Slide Number Placeholder 9"/>
-          <p:cNvSpPr>
-            <a:spLocks noGrp="1"/>
-          </p:cNvSpPr>
-          <p:nvPr>
-            <p:ph type="sldNum" sz="quarter" idx="12"/>
-          </p:nvPr>
-        </p:nvSpPr>
-        <p:spPr/>
-        <p:txBody>
-          <a:bodyPr/>
-          <a:lstStyle/>
-          <a:p>
-            <a:pPr>
-              <a:defRPr/>
-            </a:pPr>
-            <a:endParaRPr lang="en-US" smtClean="0"/>
-          </a:p>
           <a:p>
             <a:pPr algn="r">
               <a:defRPr/>
             </a:pPr>
             <a:r>
-              <a:rPr lang="en-US" sz="900" smtClean="0">
+              <a:rPr lang="en-US" sz="900">
                 <a:solidFill>
                   <a:schemeClr val="bg1"/>
                 </a:solidFill>
@@ -9075,13 +8839,6 @@
   <p:clrMapOvr>
     <a:masterClrMapping/>
   </p:clrMapOvr>
-  <p:timing>
-    <p:tnLst>
-      <p:par>
-        <p:cTn id="1" dur="indefinite" restart="never" nodeType="tmRoot"/>
-      </p:par>
-    </p:tnLst>
-  </p:timing>
 </p:sld>
 </file>
 
@@ -9148,7 +8905,7 @@
               <a:defRPr/>
             </a:pPr>
             <a:r>
-              <a:rPr lang="en-US" smtClean="0"/>
+              <a:rPr lang="en-US"/>
               <a:t>Murach's JavaScript and jQuery (3rd Ed.)</a:t>
             </a:r>
             <a:endParaRPr lang="en-US" dirty="0"/>
@@ -9174,39 +8931,38 @@
               <a:defRPr/>
             </a:pPr>
             <a:r>
-              <a:rPr lang="en-US" smtClean="0"/>
+              <a:rPr lang="en-US"/>
               <a:t>© 2017, Mike Murach &amp; Associates, Inc.</a:t>
             </a:r>
+          </a:p>
+        </p:txBody>
+      </p:sp>
+      <p:sp>
+        <p:nvSpPr>
+          <p:cNvPr id="12" name="Slide Number Placeholder 11"/>
+          <p:cNvSpPr>
+            <a:spLocks noGrp="1"/>
+          </p:cNvSpPr>
+          <p:nvPr>
+            <p:ph type="sldNum" sz="quarter" idx="12"/>
+          </p:nvPr>
+        </p:nvSpPr>
+        <p:spPr/>
+        <p:txBody>
+          <a:bodyPr/>
+          <a:lstStyle/>
+          <a:p>
+            <a:pPr>
+              <a:defRPr/>
+            </a:pPr>
             <a:endParaRPr lang="en-US"/>
           </a:p>
-        </p:txBody>
-      </p:sp>
-      <p:sp>
-        <p:nvSpPr>
-          <p:cNvPr id="12" name="Slide Number Placeholder 11"/>
-          <p:cNvSpPr>
-            <a:spLocks noGrp="1"/>
-          </p:cNvSpPr>
-          <p:nvPr>
-            <p:ph type="sldNum" sz="quarter" idx="12"/>
-          </p:nvPr>
-        </p:nvSpPr>
-        <p:spPr/>
-        <p:txBody>
-          <a:bodyPr/>
-          <a:lstStyle/>
-          <a:p>
-            <a:pPr>
-              <a:defRPr/>
-            </a:pPr>
-            <a:endParaRPr lang="en-US" smtClean="0"/>
-          </a:p>
           <a:p>
             <a:pPr algn="r">
               <a:defRPr/>
             </a:pPr>
             <a:r>
-              <a:rPr lang="en-US" sz="900" smtClean="0">
+              <a:rPr lang="en-US" sz="900">
                 <a:solidFill>
                   <a:schemeClr val="bg1"/>
                 </a:solidFill>
@@ -9244,25 +9000,25 @@
           <p:nvPr>
             <p:extLst>
               <p:ext uri="{D42A27DB-BD31-4B8C-83A1-F6EECF244321}">
-                <p14:modId xmlns:p14="http://schemas.microsoft.com/office/powerpoint/2010/main" val="1130690347"/>
+                <p14:modId xmlns:p14="http://schemas.microsoft.com/office/powerpoint/2010/main" val="3623449947"/>
               </p:ext>
             </p:extLst>
           </p:nvPr>
         </p:nvGraphicFramePr>
         <p:xfrm>
-          <a:off x="914400" y="1066800"/>
-          <a:ext cx="7313400" cy="3061038"/>
+          <a:off x="914400" y="1068388"/>
+          <a:ext cx="7170738" cy="3009900"/>
         </p:xfrm>
         <a:graphic>
           <a:graphicData uri="http://schemas.openxmlformats.org/presentationml/2006/ole">
             <mc:AlternateContent xmlns:mc="http://schemas.openxmlformats.org/markup-compatibility/2006">
               <mc:Choice xmlns:v="urn:schemas-microsoft-com:vml" Requires="v">
-                <p:oleObj spid="_x0000_s4131" name="Document" r:id="rId3" imgW="7313400" imgH="3061038" progId="Word.Document.12">
+                <p:oleObj spid="_x0000_s4136" name="Document" r:id="rId3" imgW="7301323" imgH="3071597" progId="Word.Document.12">
                   <p:embed/>
                 </p:oleObj>
               </mc:Choice>
               <mc:Fallback>
-                <p:oleObj name="Document" r:id="rId3" imgW="7313400" imgH="3061038" progId="Word.Document.12">
+                <p:oleObj name="Document" r:id="rId3" imgW="7301323" imgH="3071597" progId="Word.Document.12">
                   <p:embed/>
                   <p:pic>
                     <p:nvPicPr>
@@ -9278,8 +9034,8 @@
                     </p:blipFill>
                     <p:spPr>
                       <a:xfrm>
-                        <a:off x="914400" y="1066800"/>
-                        <a:ext cx="7313400" cy="3061038"/>
+                        <a:off x="914400" y="1068388"/>
+                        <a:ext cx="7170738" cy="3009900"/>
                       </a:xfrm>
                       <a:prstGeom prst="rect">
                         <a:avLst/>
@@ -9302,13 +9058,6 @@
   <p:clrMapOvr>
     <a:masterClrMapping/>
   </p:clrMapOvr>
-  <p:timing>
-    <p:tnLst>
-      <p:par>
-        <p:cTn id="1" dur="indefinite" restart="never" nodeType="tmRoot"/>
-      </p:par>
-    </p:tnLst>
-  </p:timing>
 </p:sld>
 </file>
 
@@ -9375,7 +9124,7 @@
               <a:defRPr/>
             </a:pPr>
             <a:r>
-              <a:rPr lang="en-US" smtClean="0"/>
+              <a:rPr lang="en-US"/>
               <a:t>Murach's JavaScript and jQuery (3rd Ed.)</a:t>
             </a:r>
             <a:endParaRPr lang="en-US" dirty="0"/>
@@ -9401,39 +9150,38 @@
               <a:defRPr/>
             </a:pPr>
             <a:r>
-              <a:rPr lang="en-US" smtClean="0"/>
+              <a:rPr lang="en-US"/>
               <a:t>© 2017, Mike Murach &amp; Associates, Inc.</a:t>
             </a:r>
+          </a:p>
+        </p:txBody>
+      </p:sp>
+      <p:sp>
+        <p:nvSpPr>
+          <p:cNvPr id="10" name="Slide Number Placeholder 9"/>
+          <p:cNvSpPr>
+            <a:spLocks noGrp="1"/>
+          </p:cNvSpPr>
+          <p:nvPr>
+            <p:ph type="sldNum" sz="quarter" idx="12"/>
+          </p:nvPr>
+        </p:nvSpPr>
+        <p:spPr/>
+        <p:txBody>
+          <a:bodyPr/>
+          <a:lstStyle/>
+          <a:p>
+            <a:pPr>
+              <a:defRPr/>
+            </a:pPr>
             <a:endParaRPr lang="en-US"/>
           </a:p>
-        </p:txBody>
-      </p:sp>
-      <p:sp>
-        <p:nvSpPr>
-          <p:cNvPr id="10" name="Slide Number Placeholder 9"/>
-          <p:cNvSpPr>
-            <a:spLocks noGrp="1"/>
-          </p:cNvSpPr>
-          <p:nvPr>
-            <p:ph type="sldNum" sz="quarter" idx="12"/>
-          </p:nvPr>
-        </p:nvSpPr>
-        <p:spPr/>
-        <p:txBody>
-          <a:bodyPr/>
-          <a:lstStyle/>
-          <a:p>
-            <a:pPr>
-              <a:defRPr/>
-            </a:pPr>
-            <a:endParaRPr lang="en-US" smtClean="0"/>
-          </a:p>
           <a:p>
             <a:pPr algn="r">
               <a:defRPr/>
             </a:pPr>
             <a:r>
-              <a:rPr lang="en-US" sz="900" smtClean="0">
+              <a:rPr lang="en-US" sz="900">
                 <a:solidFill>
                   <a:schemeClr val="bg1"/>
                 </a:solidFill>
@@ -9484,7 +9232,7 @@
           <a:graphicData uri="http://schemas.openxmlformats.org/presentationml/2006/ole">
             <mc:AlternateContent xmlns:mc="http://schemas.openxmlformats.org/markup-compatibility/2006">
               <mc:Choice xmlns:v="urn:schemas-microsoft-com:vml" Requires="v">
-                <p:oleObj spid="_x0000_s5141" name="Document" r:id="rId3" imgW="7313400" imgH="2810269" progId="Word.Document.12">
+                <p:oleObj spid="_x0000_s5146" name="Document" r:id="rId3" imgW="7313400" imgH="2810269" progId="Word.Document.12">
                   <p:embed/>
                 </p:oleObj>
               </mc:Choice>
@@ -9529,13 +9277,6 @@
   <p:clrMapOvr>
     <a:masterClrMapping/>
   </p:clrMapOvr>
-  <p:timing>
-    <p:tnLst>
-      <p:par>
-        <p:cTn id="1" dur="indefinite" restart="never" nodeType="tmRoot"/>
-      </p:par>
-    </p:tnLst>
-  </p:timing>
 </p:sld>
 </file>
 
@@ -9578,7 +9319,7 @@
           <a:graphicData uri="http://schemas.openxmlformats.org/presentationml/2006/ole">
             <mc:AlternateContent xmlns:mc="http://schemas.openxmlformats.org/markup-compatibility/2006">
               <mc:Choice xmlns:v="urn:schemas-microsoft-com:vml" Requires="v">
-                <p:oleObj spid="_x0000_s6167" name="Document" r:id="rId3" imgW="7301323" imgH="2319545" progId="Word.Document.12">
+                <p:oleObj spid="_x0000_s6172" name="Document" r:id="rId3" imgW="7301323" imgH="2319545" progId="Word.Document.12">
                   <p:embed/>
                 </p:oleObj>
               </mc:Choice>
@@ -9629,21 +9370,46 @@
           <a:lstStyle/>
           <a:p>
             <a:r>
-              <a:rPr lang="en-US" dirty="0" smtClean="0"/>
+              <a:rPr lang="en-US" dirty="0"/>
               <a:t>Terms</a:t>
             </a:r>
+          </a:p>
+        </p:txBody>
+      </p:sp>
+      <p:sp>
+        <p:nvSpPr>
+          <p:cNvPr id="8" name="Date Placeholder 7"/>
+          <p:cNvSpPr>
+            <a:spLocks noGrp="1"/>
+          </p:cNvSpPr>
+          <p:nvPr>
+            <p:ph type="dt" sz="half" idx="10"/>
+          </p:nvPr>
+        </p:nvSpPr>
+        <p:spPr/>
+        <p:txBody>
+          <a:bodyPr/>
+          <a:lstStyle/>
+          <a:p>
+            <a:pPr>
+              <a:defRPr/>
+            </a:pPr>
+            <a:r>
+              <a:rPr lang="en-US"/>
+              <a:t>Murach's JavaScript and jQuery (3rd Ed.)</a:t>
+            </a:r>
             <a:endParaRPr lang="en-US" dirty="0"/>
           </a:p>
         </p:txBody>
       </p:sp>
       <p:sp>
         <p:nvSpPr>
-          <p:cNvPr id="8" name="Date Placeholder 7"/>
-          <p:cNvSpPr>
-            <a:spLocks noGrp="1"/>
-          </p:cNvSpPr>
-          <p:nvPr>
-            <p:ph type="dt" sz="half" idx="10"/>
+          <p:cNvPr id="9" name="Footer Placeholder 8"/>
+          <p:cNvSpPr>
+            <a:spLocks noGrp="1"/>
+          </p:cNvSpPr>
+          <p:nvPr>
+            <p:ph type="ftr" sz="quarter" idx="11"/>
           </p:nvPr>
         </p:nvSpPr>
         <p:spPr/>
@@ -9655,21 +9421,20 @@
               <a:defRPr/>
             </a:pPr>
             <a:r>
-              <a:rPr lang="en-US" smtClean="0"/>
-              <a:t>Murach's JavaScript and jQuery (3rd Ed.)</a:t>
-            </a:r>
-            <a:endParaRPr lang="en-US" dirty="0"/>
-          </a:p>
-        </p:txBody>
-      </p:sp>
-      <p:sp>
-        <p:nvSpPr>
-          <p:cNvPr id="9" name="Footer Placeholder 8"/>
-          <p:cNvSpPr>
-            <a:spLocks noGrp="1"/>
-          </p:cNvSpPr>
-          <p:nvPr>
-            <p:ph type="ftr" sz="quarter" idx="11"/>
+              <a:rPr lang="en-US"/>
+              <a:t>© 2017, Mike Murach &amp; Associates, Inc.</a:t>
+            </a:r>
+          </a:p>
+        </p:txBody>
+      </p:sp>
+      <p:sp>
+        <p:nvSpPr>
+          <p:cNvPr id="10" name="Slide Number Placeholder 9"/>
+          <p:cNvSpPr>
+            <a:spLocks noGrp="1"/>
+          </p:cNvSpPr>
+          <p:nvPr>
+            <p:ph type="sldNum" sz="quarter" idx="12"/>
           </p:nvPr>
         </p:nvSpPr>
         <p:spPr/>
@@ -9680,40 +9445,14 @@
             <a:pPr>
               <a:defRPr/>
             </a:pPr>
-            <a:r>
-              <a:rPr lang="en-US" smtClean="0"/>
-              <a:t>© 2017, Mike Murach &amp; Associates, Inc.</a:t>
-            </a:r>
             <a:endParaRPr lang="en-US"/>
           </a:p>
-        </p:txBody>
-      </p:sp>
-      <p:sp>
-        <p:nvSpPr>
-          <p:cNvPr id="10" name="Slide Number Placeholder 9"/>
-          <p:cNvSpPr>
-            <a:spLocks noGrp="1"/>
-          </p:cNvSpPr>
-          <p:nvPr>
-            <p:ph type="sldNum" sz="quarter" idx="12"/>
-          </p:nvPr>
-        </p:nvSpPr>
-        <p:spPr/>
-        <p:txBody>
-          <a:bodyPr/>
-          <a:lstStyle/>
-          <a:p>
-            <a:pPr>
-              <a:defRPr/>
-            </a:pPr>
-            <a:endParaRPr lang="en-US" smtClean="0"/>
-          </a:p>
           <a:p>
             <a:pPr algn="r">
               <a:defRPr/>
             </a:pPr>
             <a:r>
-              <a:rPr lang="en-US" sz="900" smtClean="0">
+              <a:rPr lang="en-US" sz="900">
                 <a:solidFill>
                   <a:schemeClr val="bg1"/>
                 </a:solidFill>
@@ -9752,13 +9491,6 @@
   <p:clrMapOvr>
     <a:masterClrMapping/>
   </p:clrMapOvr>
-  <p:timing>
-    <p:tnLst>
-      <p:par>
-        <p:cTn id="1" dur="indefinite" restart="never" nodeType="tmRoot"/>
-      </p:par>
-    </p:tnLst>
-  </p:timing>
 </p:sld>
 </file>
 
@@ -9801,7 +9533,7 @@
           <a:graphicData uri="http://schemas.openxmlformats.org/presentationml/2006/ole">
             <mc:AlternateContent xmlns:mc="http://schemas.openxmlformats.org/markup-compatibility/2006">
               <mc:Choice xmlns:v="urn:schemas-microsoft-com:vml" Requires="v">
-                <p:oleObj spid="_x0000_s8213" name="Document" r:id="rId3" imgW="7301323" imgH="2145273" progId="Word.Document.12">
+                <p:oleObj spid="_x0000_s8218" name="Document" r:id="rId3" imgW="7301323" imgH="2145273" progId="Word.Document.12">
                   <p:embed/>
                 </p:oleObj>
               </mc:Choice>
@@ -9882,7 +9614,7 @@
               <a:defRPr/>
             </a:pPr>
             <a:r>
-              <a:rPr lang="en-US" smtClean="0"/>
+              <a:rPr lang="en-US"/>
               <a:t>Murach's JavaScript and jQuery (3rd Ed.)</a:t>
             </a:r>
             <a:endParaRPr lang="en-US" dirty="0"/>
@@ -9908,39 +9640,38 @@
               <a:defRPr/>
             </a:pPr>
             <a:r>
-              <a:rPr lang="en-US" smtClean="0"/>
+              <a:rPr lang="en-US"/>
               <a:t>© 2017, Mike Murach &amp; Associates, Inc.</a:t>
             </a:r>
+          </a:p>
+        </p:txBody>
+      </p:sp>
+      <p:sp>
+        <p:nvSpPr>
+          <p:cNvPr id="10" name="Slide Number Placeholder 9"/>
+          <p:cNvSpPr>
+            <a:spLocks noGrp="1"/>
+          </p:cNvSpPr>
+          <p:nvPr>
+            <p:ph type="sldNum" sz="quarter" idx="12"/>
+          </p:nvPr>
+        </p:nvSpPr>
+        <p:spPr/>
+        <p:txBody>
+          <a:bodyPr/>
+          <a:lstStyle/>
+          <a:p>
+            <a:pPr>
+              <a:defRPr/>
+            </a:pPr>
             <a:endParaRPr lang="en-US"/>
           </a:p>
-        </p:txBody>
-      </p:sp>
-      <p:sp>
-        <p:nvSpPr>
-          <p:cNvPr id="10" name="Slide Number Placeholder 9"/>
-          <p:cNvSpPr>
-            <a:spLocks noGrp="1"/>
-          </p:cNvSpPr>
-          <p:nvPr>
-            <p:ph type="sldNum" sz="quarter" idx="12"/>
-          </p:nvPr>
-        </p:nvSpPr>
-        <p:spPr/>
-        <p:txBody>
-          <a:bodyPr/>
-          <a:lstStyle/>
-          <a:p>
-            <a:pPr>
-              <a:defRPr/>
-            </a:pPr>
-            <a:endParaRPr lang="en-US" smtClean="0"/>
-          </a:p>
           <a:p>
             <a:pPr algn="r">
               <a:defRPr/>
             </a:pPr>
             <a:r>
-              <a:rPr lang="en-US" sz="900" smtClean="0">
+              <a:rPr lang="en-US" sz="900">
                 <a:solidFill>
                   <a:schemeClr val="bg1"/>
                 </a:solidFill>
@@ -9979,13 +9710,6 @@
   <p:clrMapOvr>
     <a:masterClrMapping/>
   </p:clrMapOvr>
-  <p:timing>
-    <p:tnLst>
-      <p:par>
-        <p:cTn id="1" dur="indefinite" restart="never" nodeType="tmRoot"/>
-      </p:par>
-    </p:tnLst>
-  </p:timing>
 </p:sld>
 </file>
 
@@ -10028,7 +9752,7 @@
           <a:graphicData uri="http://schemas.openxmlformats.org/presentationml/2006/ole">
             <mc:AlternateContent xmlns:mc="http://schemas.openxmlformats.org/markup-compatibility/2006">
               <mc:Choice xmlns:v="urn:schemas-microsoft-com:vml" Requires="v">
-                <p:oleObj spid="_x0000_s9237" name="Document" r:id="rId3" imgW="7301323" imgH="612832" progId="Word.Document.12">
+                <p:oleObj spid="_x0000_s9242" name="Document" r:id="rId3" imgW="7301323" imgH="612832" progId="Word.Document.12">
                   <p:embed/>
                 </p:oleObj>
               </mc:Choice>
@@ -10116,7 +9840,7 @@
               <a:defRPr/>
             </a:pPr>
             <a:r>
-              <a:rPr lang="en-US" smtClean="0"/>
+              <a:rPr lang="en-US"/>
               <a:t>Murach's JavaScript and jQuery (3rd Ed.)</a:t>
             </a:r>
             <a:endParaRPr lang="en-US" dirty="0"/>
@@ -10142,39 +9866,38 @@
               <a:defRPr/>
             </a:pPr>
             <a:r>
-              <a:rPr lang="en-US" smtClean="0"/>
+              <a:rPr lang="en-US"/>
               <a:t>© 2017, Mike Murach &amp; Associates, Inc.</a:t>
             </a:r>
+          </a:p>
+        </p:txBody>
+      </p:sp>
+      <p:sp>
+        <p:nvSpPr>
+          <p:cNvPr id="10" name="Slide Number Placeholder 9"/>
+          <p:cNvSpPr>
+            <a:spLocks noGrp="1"/>
+          </p:cNvSpPr>
+          <p:nvPr>
+            <p:ph type="sldNum" sz="quarter" idx="12"/>
+          </p:nvPr>
+        </p:nvSpPr>
+        <p:spPr/>
+        <p:txBody>
+          <a:bodyPr/>
+          <a:lstStyle/>
+          <a:p>
+            <a:pPr>
+              <a:defRPr/>
+            </a:pPr>
             <a:endParaRPr lang="en-US"/>
           </a:p>
-        </p:txBody>
-      </p:sp>
-      <p:sp>
-        <p:nvSpPr>
-          <p:cNvPr id="10" name="Slide Number Placeholder 9"/>
-          <p:cNvSpPr>
-            <a:spLocks noGrp="1"/>
-          </p:cNvSpPr>
-          <p:nvPr>
-            <p:ph type="sldNum" sz="quarter" idx="12"/>
-          </p:nvPr>
-        </p:nvSpPr>
-        <p:spPr/>
-        <p:txBody>
-          <a:bodyPr/>
-          <a:lstStyle/>
-          <a:p>
-            <a:pPr>
-              <a:defRPr/>
-            </a:pPr>
-            <a:endParaRPr lang="en-US" smtClean="0"/>
-          </a:p>
           <a:p>
             <a:pPr algn="r">
               <a:defRPr/>
             </a:pPr>
             <a:r>
-              <a:rPr lang="en-US" sz="900" smtClean="0">
+              <a:rPr lang="en-US" sz="900">
                 <a:solidFill>
                   <a:schemeClr val="bg1"/>
                 </a:solidFill>
@@ -10213,13 +9936,6 @@
   <p:clrMapOvr>
     <a:masterClrMapping/>
   </p:clrMapOvr>
-  <p:timing>
-    <p:tnLst>
-      <p:par>
-        <p:cTn id="1" dur="indefinite" restart="never" nodeType="tmRoot"/>
-      </p:par>
-    </p:tnLst>
-  </p:timing>
 </p:sld>
 </file>
 
